--- a/5. Process Design.pptx
+++ b/5. Process Design.pptx
@@ -5,10 +5,10 @@
     <p:sldMasterId id="2147484092" r:id="rId2"/>
   </p:sldMasterIdLst>
   <p:notesMasterIdLst>
-    <p:notesMasterId r:id="rId56"/>
+    <p:notesMasterId r:id="rId57"/>
   </p:notesMasterIdLst>
   <p:handoutMasterIdLst>
-    <p:handoutMasterId r:id="rId57"/>
+    <p:handoutMasterId r:id="rId58"/>
   </p:handoutMasterIdLst>
   <p:sldIdLst>
     <p:sldId id="267" r:id="rId3"/>
@@ -62,8 +62,9 @@
     <p:sldId id="399" r:id="rId51"/>
     <p:sldId id="402" r:id="rId52"/>
     <p:sldId id="463" r:id="rId53"/>
-    <p:sldId id="452" r:id="rId54"/>
-    <p:sldId id="469" r:id="rId55"/>
+    <p:sldId id="470" r:id="rId54"/>
+    <p:sldId id="452" r:id="rId55"/>
+    <p:sldId id="469" r:id="rId56"/>
   </p:sldIdLst>
   <p:sldSz cx="9144000" cy="6858000" type="screen4x3"/>
   <p:notesSz cx="6858000" cy="9144000"/>
@@ -164,7 +165,7 @@
   </p:defaultTextStyle>
   <p:extLst>
     <p:ext uri="{EFAFB233-063F-42B5-8137-9DF3F51BA10A}">
-      <p15:sldGuideLst xmlns:p15="http://schemas.microsoft.com/office/powerpoint/2012/main">
+      <p15:sldGuideLst xmlns="" xmlns:p15="http://schemas.microsoft.com/office/powerpoint/2012/main">
         <p15:guide id="1" orient="horz" pos="2160" userDrawn="1">
           <p15:clr>
             <a:srgbClr val="A4A3A4"/>
@@ -203,7 +204,7 @@
       </p15:sldGuideLst>
     </p:ext>
     <p:ext uri="{2D200454-40CA-4A62-9FC3-DE9A4176ACB9}">
-      <p15:notesGuideLst xmlns:p15="http://schemas.microsoft.com/office/powerpoint/2012/main">
+      <p15:notesGuideLst xmlns="" xmlns:p15="http://schemas.microsoft.com/office/powerpoint/2012/main">
         <p15:guide id="1" orient="horz" pos="2880">
           <p15:clr>
             <a:srgbClr val="A4A3A4"/>
@@ -306,7 +307,8 @@
           <a:p>
             <a:fld id="{BD339F77-2B3D-4AC5-A60B-BD9692B4700D}" type="datetime13">
               <a:rPr lang="en-US" smtClean="0"/>
-              <a:t>12:46:10 AM</a:t>
+              <a:pPr/>
+              <a:t>11:07:41 PM</a:t>
             </a:fld>
             <a:endParaRPr dirty="0"/>
           </a:p>
@@ -372,6 +374,7 @@
           <a:p>
             <a:fld id="{01114579-D02A-4B51-B5DF-8EC449F77AC7}" type="slidenum">
               <a:rPr/>
+              <a:pPr/>
               <a:t>‹#›</a:t>
             </a:fld>
             <a:endParaRPr dirty="0"/>
@@ -381,7 +384,7 @@
     </p:spTree>
     <p:extLst>
       <p:ext uri="{BB962C8B-B14F-4D97-AF65-F5344CB8AC3E}">
-        <p14:creationId xmlns:p14="http://schemas.microsoft.com/office/powerpoint/2010/main" val="276812638"/>
+        <p14:creationId xmlns="" xmlns:p14="http://schemas.microsoft.com/office/powerpoint/2010/main" val="276812638"/>
       </p:ext>
     </p:extLst>
   </p:cSld>
@@ -476,7 +479,8 @@
           <a:p>
             <a:fld id="{AD4808C0-AA27-4DF8-9BCD-E3988BE52C79}" type="datetime13">
               <a:rPr lang="en-US" smtClean="0"/>
-              <a:t>12:46:10 AM</a:t>
+              <a:pPr/>
+              <a:t>11:06:26 PM</a:t>
             </a:fld>
             <a:endParaRPr dirty="0"/>
           </a:p>
@@ -634,6 +638,7 @@
           <a:p>
             <a:fld id="{C6074690-7256-4BB9-AC0F-97AEAE8CDEC2}" type="slidenum">
               <a:rPr/>
+              <a:pPr/>
               <a:t>‹#›</a:t>
             </a:fld>
             <a:endParaRPr dirty="0"/>
@@ -643,7 +648,7 @@
     </p:spTree>
     <p:extLst>
       <p:ext uri="{BB962C8B-B14F-4D97-AF65-F5344CB8AC3E}">
-        <p14:creationId xmlns:p14="http://schemas.microsoft.com/office/powerpoint/2010/main" val="427426109"/>
+        <p14:creationId xmlns="" xmlns:p14="http://schemas.microsoft.com/office/powerpoint/2010/main" val="427426109"/>
       </p:ext>
     </p:extLst>
   </p:cSld>
@@ -814,6 +819,7 @@
           <a:p>
             <a:fld id="{C6074690-7256-4BB9-AC0F-97AEAE8CDEC2}" type="slidenum">
               <a:rPr lang="en-US" smtClean="0"/>
+              <a:pPr/>
               <a:t>1</a:t>
             </a:fld>
             <a:endParaRPr lang="en-US" dirty="0"/>
@@ -837,7 +843,8 @@
           <a:p>
             <a:fld id="{EFCD727D-714C-4E3D-9903-1EA56D88F2F1}" type="datetime13">
               <a:rPr lang="en-US" smtClean="0"/>
-              <a:t>12:46:10 AM</a:t>
+              <a:pPr/>
+              <a:t>11:06:26 PM</a:t>
             </a:fld>
             <a:endParaRPr lang="en-US" dirty="0"/>
           </a:p>
@@ -846,7 +853,7 @@
     </p:spTree>
     <p:extLst>
       <p:ext uri="{BB962C8B-B14F-4D97-AF65-F5344CB8AC3E}">
-        <p14:creationId xmlns:p14="http://schemas.microsoft.com/office/powerpoint/2010/main" val="2034097688"/>
+        <p14:creationId xmlns="" xmlns:p14="http://schemas.microsoft.com/office/powerpoint/2010/main" val="2034097688"/>
       </p:ext>
     </p:extLst>
   </p:cSld>
@@ -926,6 +933,7 @@
           <a:p>
             <a:fld id="{C6074690-7256-4BB9-AC0F-97AEAE8CDEC2}" type="slidenum">
               <a:rPr lang="en-US" smtClean="0"/>
+              <a:pPr/>
               <a:t>2</a:t>
             </a:fld>
             <a:endParaRPr lang="en-US" dirty="0"/>
@@ -949,7 +957,8 @@
           <a:p>
             <a:fld id="{4BEEABDB-CA15-4807-8005-11EDE381F952}" type="datetime13">
               <a:rPr lang="en-US" smtClean="0"/>
-              <a:t>12:46:10 AM</a:t>
+              <a:pPr/>
+              <a:t>11:06:26 PM</a:t>
             </a:fld>
             <a:endParaRPr lang="en-US" dirty="0"/>
           </a:p>
@@ -958,7 +967,7 @@
     </p:spTree>
     <p:extLst>
       <p:ext uri="{BB962C8B-B14F-4D97-AF65-F5344CB8AC3E}">
-        <p14:creationId xmlns:p14="http://schemas.microsoft.com/office/powerpoint/2010/main" val="3835351325"/>
+        <p14:creationId xmlns="" xmlns:p14="http://schemas.microsoft.com/office/powerpoint/2010/main" val="3835351325"/>
       </p:ext>
     </p:extLst>
   </p:cSld>
@@ -995,12 +1004,7 @@
             <p:ph type="sldImg"/>
           </p:nvPr>
         </p:nvSpPr>
-        <p:spPr>
-          <a:xfrm>
-            <a:off x="1143000" y="685800"/>
-            <a:ext cx="4572000" cy="3429000"/>
-          </a:xfrm>
-        </p:spPr>
+        <p:spPr/>
       </p:sp>
       <p:sp>
         <p:nvSpPr>
@@ -1023,12 +1027,12 @@
       </p:sp>
       <p:sp>
         <p:nvSpPr>
-          <p:cNvPr id="4" name="Slide Number Placeholder 3"/>
-          <p:cNvSpPr>
-            <a:spLocks noGrp="1"/>
-          </p:cNvSpPr>
-          <p:nvPr>
-            <p:ph type="sldNum" sz="quarter" idx="10"/>
+          <p:cNvPr id="4" name="Date Placeholder 3"/>
+          <p:cNvSpPr>
+            <a:spLocks noGrp="1"/>
+          </p:cNvSpPr>
+          <p:nvPr>
+            <p:ph type="dt" idx="10"/>
           </p:nvPr>
         </p:nvSpPr>
         <p:spPr/>
@@ -1036,165 +1040,43 @@
           <a:bodyPr/>
           <a:lstStyle/>
           <a:p>
+            <a:fld id="{912A0E8E-2EBB-4AEB-ABEF-67E0229A9891}" type="datetime13">
+              <a:rPr lang="en-US" smtClean="0"/>
+              <a:pPr/>
+              <a:t>11:07:16 PM</a:t>
+            </a:fld>
+            <a:endParaRPr lang="en-US" dirty="0"/>
+          </a:p>
+        </p:txBody>
+      </p:sp>
+      <p:sp>
+        <p:nvSpPr>
+          <p:cNvPr id="5" name="Slide Number Placeholder 4"/>
+          <p:cNvSpPr>
+            <a:spLocks noGrp="1"/>
+          </p:cNvSpPr>
+          <p:nvPr>
+            <p:ph type="sldNum" sz="quarter" idx="11"/>
+          </p:nvPr>
+        </p:nvSpPr>
+        <p:spPr/>
+        <p:txBody>
+          <a:bodyPr/>
+          <a:lstStyle/>
+          <a:p>
             <a:fld id="{C6074690-7256-4BB9-AC0F-97AEAE8CDEC2}" type="slidenum">
-              <a:rPr lang="en-US" smtClean="0">
-                <a:solidFill>
-                  <a:prstClr val="black"/>
-                </a:solidFill>
-              </a:rPr>
+              <a:rPr lang="en-US" smtClean="0"/>
               <a:pPr/>
-              <a:t>3</a:t>
+              <a:t>53</a:t>
             </a:fld>
-            <a:endParaRPr lang="en-US" dirty="0">
-              <a:solidFill>
-                <a:prstClr val="black"/>
-              </a:solidFill>
-            </a:endParaRPr>
-          </a:p>
-        </p:txBody>
-      </p:sp>
-      <p:sp>
-        <p:nvSpPr>
-          <p:cNvPr id="5" name="Date Placeholder 4"/>
-          <p:cNvSpPr>
-            <a:spLocks noGrp="1"/>
-          </p:cNvSpPr>
-          <p:nvPr>
-            <p:ph type="dt" idx="11"/>
-          </p:nvPr>
-        </p:nvSpPr>
-        <p:spPr/>
-        <p:txBody>
-          <a:bodyPr/>
-          <a:lstStyle/>
-          <a:p>
-            <a:fld id="{A8D701B6-B650-4C5D-932B-464D08A6EA29}" type="datetime13">
-              <a:rPr lang="en-US" smtClean="0">
-                <a:solidFill>
-                  <a:prstClr val="black"/>
-                </a:solidFill>
-              </a:rPr>
-              <a:t>12:46:10 AM</a:t>
-            </a:fld>
-            <a:endParaRPr lang="en-US" dirty="0">
-              <a:solidFill>
-                <a:prstClr val="black"/>
-              </a:solidFill>
-            </a:endParaRPr>
+            <a:endParaRPr lang="en-US" dirty="0"/>
           </a:p>
         </p:txBody>
       </p:sp>
     </p:spTree>
     <p:extLst>
       <p:ext uri="{BB962C8B-B14F-4D97-AF65-F5344CB8AC3E}">
-        <p14:creationId xmlns:p14="http://schemas.microsoft.com/office/powerpoint/2010/main" val="1523980283"/>
-      </p:ext>
-    </p:extLst>
-  </p:cSld>
-  <p:clrMapOvr>
-    <a:masterClrMapping/>
-  </p:clrMapOvr>
-</p:notes>
-</file>
-
-<file path=ppt/notesSlides/notesSlide4.xml><?xml version="1.0" encoding="utf-8"?>
-<p:notes xmlns:a="http://schemas.openxmlformats.org/drawingml/2006/main" xmlns:r="http://schemas.openxmlformats.org/officeDocument/2006/relationships" xmlns:p="http://schemas.openxmlformats.org/presentationml/2006/main">
-  <p:cSld>
-    <p:spTree>
-      <p:nvGrpSpPr>
-        <p:cNvPr id="1" name=""/>
-        <p:cNvGrpSpPr/>
-        <p:nvPr/>
-      </p:nvGrpSpPr>
-      <p:grpSpPr>
-        <a:xfrm>
-          <a:off x="0" y="0"/>
-          <a:ext cx="0" cy="0"/>
-          <a:chOff x="0" y="0"/>
-          <a:chExt cx="0" cy="0"/>
-        </a:xfrm>
-      </p:grpSpPr>
-      <p:sp>
-        <p:nvSpPr>
-          <p:cNvPr id="2" name="Slide Image Placeholder 1"/>
-          <p:cNvSpPr>
-            <a:spLocks noGrp="1" noRot="1" noChangeAspect="1"/>
-          </p:cNvSpPr>
-          <p:nvPr>
-            <p:ph type="sldImg"/>
-          </p:nvPr>
-        </p:nvSpPr>
-        <p:spPr/>
-      </p:sp>
-      <p:sp>
-        <p:nvSpPr>
-          <p:cNvPr id="3" name="Notes Placeholder 2"/>
-          <p:cNvSpPr>
-            <a:spLocks noGrp="1"/>
-          </p:cNvSpPr>
-          <p:nvPr>
-            <p:ph type="body" idx="1"/>
-          </p:nvPr>
-        </p:nvSpPr>
-        <p:spPr/>
-        <p:txBody>
-          <a:bodyPr/>
-          <a:lstStyle/>
-          <a:p>
-            <a:endParaRPr lang="en-US"/>
-          </a:p>
-        </p:txBody>
-      </p:sp>
-      <p:sp>
-        <p:nvSpPr>
-          <p:cNvPr id="4" name="Date Placeholder 3"/>
-          <p:cNvSpPr>
-            <a:spLocks noGrp="1"/>
-          </p:cNvSpPr>
-          <p:nvPr>
-            <p:ph type="dt" idx="10"/>
-          </p:nvPr>
-        </p:nvSpPr>
-        <p:spPr/>
-        <p:txBody>
-          <a:bodyPr/>
-          <a:lstStyle/>
-          <a:p>
-            <a:fld id="{912A0E8E-2EBB-4AEB-ABEF-67E0229A9891}" type="datetime13">
-              <a:rPr lang="en-US" smtClean="0"/>
-              <a:t>12:46:10 AM</a:t>
-            </a:fld>
-            <a:endParaRPr lang="en-US" dirty="0"/>
-          </a:p>
-        </p:txBody>
-      </p:sp>
-      <p:sp>
-        <p:nvSpPr>
-          <p:cNvPr id="5" name="Slide Number Placeholder 4"/>
-          <p:cNvSpPr>
-            <a:spLocks noGrp="1"/>
-          </p:cNvSpPr>
-          <p:nvPr>
-            <p:ph type="sldNum" sz="quarter" idx="11"/>
-          </p:nvPr>
-        </p:nvSpPr>
-        <p:spPr/>
-        <p:txBody>
-          <a:bodyPr/>
-          <a:lstStyle/>
-          <a:p>
-            <a:fld id="{C6074690-7256-4BB9-AC0F-97AEAE8CDEC2}" type="slidenum">
-              <a:rPr lang="en-US" smtClean="0"/>
-              <a:t>52</a:t>
-            </a:fld>
-            <a:endParaRPr lang="en-US" dirty="0"/>
-          </a:p>
-        </p:txBody>
-      </p:sp>
-    </p:spTree>
-    <p:extLst>
-      <p:ext uri="{BB962C8B-B14F-4D97-AF65-F5344CB8AC3E}">
-        <p14:creationId xmlns:p14="http://schemas.microsoft.com/office/powerpoint/2010/main" val="2630441272"/>
+        <p14:creationId xmlns="" xmlns:p14="http://schemas.microsoft.com/office/powerpoint/2010/main" val="2630441272"/>
       </p:ext>
     </p:extLst>
   </p:cSld>
@@ -1444,6 +1326,7 @@
           <a:p>
             <a:fld id="{1B8C433C-2DB7-4500-8EE3-74D2489502AA}" type="datetime1">
               <a:rPr lang="en-US" smtClean="0"/>
+              <a:pPr/>
               <a:t>3/4/2014</a:t>
             </a:fld>
             <a:endParaRPr lang="en-US" dirty="0"/>
@@ -1518,20 +1401,20 @@
     </p:spTree>
     <p:extLst>
       <p:ext uri="{BB962C8B-B14F-4D97-AF65-F5344CB8AC3E}">
-        <p14:creationId xmlns:p14="http://schemas.microsoft.com/office/powerpoint/2010/main" val="806290320"/>
+        <p14:creationId xmlns="" xmlns:p14="http://schemas.microsoft.com/office/powerpoint/2010/main" val="806290320"/>
       </p:ext>
     </p:extLst>
   </p:cSld>
   <p:clrMapOvr>
     <a:masterClrMapping/>
   </p:clrMapOvr>
-  <mc:AlternateContent xmlns:mc="http://schemas.openxmlformats.org/markup-compatibility/2006" xmlns:p14="http://schemas.microsoft.com/office/powerpoint/2010/main">
-    <mc:Choice Requires="p14">
+  <mc:AlternateContent xmlns:mc="http://schemas.openxmlformats.org/markup-compatibility/2006">
+    <mc:Choice xmlns="" xmlns:p14="http://schemas.microsoft.com/office/powerpoint/2010/main" Requires="p14">
       <p:transition spd="med" p14:dur="700">
         <p:fade/>
       </p:transition>
     </mc:Choice>
-    <mc:Fallback xmlns="">
+    <mc:Fallback>
       <p:transition spd="med">
         <p:fade/>
       </p:transition>
@@ -1711,6 +1594,7 @@
           <a:p>
             <a:fld id="{12C4ABD8-1F40-445E-B123-B921B0D50B64}" type="datetime1">
               <a:rPr lang="en-US" smtClean="0"/>
+              <a:pPr/>
               <a:t>3/4/2014</a:t>
             </a:fld>
             <a:endParaRPr lang="en-US" dirty="0"/>
@@ -1763,20 +1647,20 @@
     </p:spTree>
     <p:extLst>
       <p:ext uri="{BB962C8B-B14F-4D97-AF65-F5344CB8AC3E}">
-        <p14:creationId xmlns:p14="http://schemas.microsoft.com/office/powerpoint/2010/main" val="2809600953"/>
+        <p14:creationId xmlns="" xmlns:p14="http://schemas.microsoft.com/office/powerpoint/2010/main" val="2809600953"/>
       </p:ext>
     </p:extLst>
   </p:cSld>
   <p:clrMapOvr>
     <a:masterClrMapping/>
   </p:clrMapOvr>
-  <mc:AlternateContent xmlns:mc="http://schemas.openxmlformats.org/markup-compatibility/2006" xmlns:p14="http://schemas.microsoft.com/office/powerpoint/2010/main">
-    <mc:Choice Requires="p14">
+  <mc:AlternateContent xmlns:mc="http://schemas.openxmlformats.org/markup-compatibility/2006">
+    <mc:Choice xmlns="" xmlns:p14="http://schemas.microsoft.com/office/powerpoint/2010/main" Requires="p14">
       <p:transition spd="med" p14:dur="700">
         <p:fade/>
       </p:transition>
     </mc:Choice>
-    <mc:Fallback xmlns="">
+    <mc:Fallback>
       <p:transition spd="med">
         <p:fade/>
       </p:transition>
@@ -1966,6 +1850,7 @@
           <a:p>
             <a:fld id="{E076FD04-02BF-4BB1-811A-54592A779EF8}" type="datetime1">
               <a:rPr lang="en-US" smtClean="0"/>
+              <a:pPr/>
               <a:t>3/4/2014</a:t>
             </a:fld>
             <a:endParaRPr lang="en-US" dirty="0"/>
@@ -2034,20 +1919,20 @@
     </p:spTree>
     <p:extLst>
       <p:ext uri="{BB962C8B-B14F-4D97-AF65-F5344CB8AC3E}">
-        <p14:creationId xmlns:p14="http://schemas.microsoft.com/office/powerpoint/2010/main" val="2551504508"/>
+        <p14:creationId xmlns="" xmlns:p14="http://schemas.microsoft.com/office/powerpoint/2010/main" val="2551504508"/>
       </p:ext>
     </p:extLst>
   </p:cSld>
   <p:clrMapOvr>
     <a:masterClrMapping/>
   </p:clrMapOvr>
-  <mc:AlternateContent xmlns:mc="http://schemas.openxmlformats.org/markup-compatibility/2006" xmlns:p14="http://schemas.microsoft.com/office/powerpoint/2010/main">
-    <mc:Choice Requires="p14">
+  <mc:AlternateContent xmlns:mc="http://schemas.openxmlformats.org/markup-compatibility/2006">
+    <mc:Choice xmlns="" xmlns:p14="http://schemas.microsoft.com/office/powerpoint/2010/main" Requires="p14">
       <p:transition spd="med" p14:dur="700">
         <p:fade/>
       </p:transition>
     </mc:Choice>
-    <mc:Fallback xmlns="">
+    <mc:Fallback>
       <p:transition spd="med">
         <p:fade/>
       </p:transition>
@@ -2174,20 +2059,20 @@
     </p:spTree>
     <p:extLst>
       <p:ext uri="{BB962C8B-B14F-4D97-AF65-F5344CB8AC3E}">
-        <p14:creationId xmlns:p14="http://schemas.microsoft.com/office/powerpoint/2010/main" val="701855382"/>
+        <p14:creationId xmlns="" xmlns:p14="http://schemas.microsoft.com/office/powerpoint/2010/main" val="701855382"/>
       </p:ext>
     </p:extLst>
   </p:cSld>
   <p:clrMapOvr>
     <a:masterClrMapping/>
   </p:clrMapOvr>
-  <mc:AlternateContent xmlns:mc="http://schemas.openxmlformats.org/markup-compatibility/2006" xmlns:p14="http://schemas.microsoft.com/office/powerpoint/2010/main">
-    <mc:Choice Requires="p14">
+  <mc:AlternateContent xmlns:mc="http://schemas.openxmlformats.org/markup-compatibility/2006">
+    <mc:Choice xmlns="" xmlns:p14="http://schemas.microsoft.com/office/powerpoint/2010/main" Requires="p14">
       <p:transition spd="med" p14:dur="700">
         <p:fade/>
       </p:transition>
     </mc:Choice>
-    <mc:Fallback xmlns="">
+    <mc:Fallback>
       <p:transition spd="med">
         <p:fade/>
       </p:transition>
@@ -2356,6 +2241,7 @@
           <a:p>
             <a:fld id="{6F2E2B39-70BB-418F-8A3A-C4F489A9A59C}" type="datetime1">
               <a:rPr lang="en-US" smtClean="0"/>
+              <a:pPr/>
               <a:t>3/4/2014</a:t>
             </a:fld>
             <a:endParaRPr lang="en-US" dirty="0"/>
@@ -2408,20 +2294,20 @@
     </p:spTree>
     <p:extLst>
       <p:ext uri="{BB962C8B-B14F-4D97-AF65-F5344CB8AC3E}">
-        <p14:creationId xmlns:p14="http://schemas.microsoft.com/office/powerpoint/2010/main" val="3836249813"/>
+        <p14:creationId xmlns="" xmlns:p14="http://schemas.microsoft.com/office/powerpoint/2010/main" val="3836249813"/>
       </p:ext>
     </p:extLst>
   </p:cSld>
   <p:clrMapOvr>
     <a:masterClrMapping/>
   </p:clrMapOvr>
-  <mc:AlternateContent xmlns:mc="http://schemas.openxmlformats.org/markup-compatibility/2006" xmlns:p14="http://schemas.microsoft.com/office/powerpoint/2010/main">
-    <mc:Choice Requires="p14">
+  <mc:AlternateContent xmlns:mc="http://schemas.openxmlformats.org/markup-compatibility/2006">
+    <mc:Choice xmlns="" xmlns:p14="http://schemas.microsoft.com/office/powerpoint/2010/main" Requires="p14">
       <p:transition spd="med" p14:dur="700">
         <p:fade/>
       </p:transition>
     </mc:Choice>
-    <mc:Fallback xmlns="">
+    <mc:Fallback>
       <p:transition spd="med">
         <p:fade/>
       </p:transition>
@@ -2678,6 +2564,7 @@
           <a:p>
             <a:fld id="{0DD18E48-A550-4B7E-8F3B-1275E9764B1E}" type="datetime1">
               <a:rPr lang="en-US" smtClean="0"/>
+              <a:pPr/>
               <a:t>3/4/2014</a:t>
             </a:fld>
             <a:endParaRPr lang="en-US" dirty="0"/>
@@ -2752,20 +2639,20 @@
     </p:spTree>
     <p:extLst>
       <p:ext uri="{BB962C8B-B14F-4D97-AF65-F5344CB8AC3E}">
-        <p14:creationId xmlns:p14="http://schemas.microsoft.com/office/powerpoint/2010/main" val="2559809729"/>
+        <p14:creationId xmlns="" xmlns:p14="http://schemas.microsoft.com/office/powerpoint/2010/main" val="2559809729"/>
       </p:ext>
     </p:extLst>
   </p:cSld>
   <p:clrMapOvr>
     <a:masterClrMapping/>
   </p:clrMapOvr>
-  <mc:AlternateContent xmlns:mc="http://schemas.openxmlformats.org/markup-compatibility/2006" xmlns:p14="http://schemas.microsoft.com/office/powerpoint/2010/main">
-    <mc:Choice Requires="p14">
+  <mc:AlternateContent xmlns:mc="http://schemas.openxmlformats.org/markup-compatibility/2006">
+    <mc:Choice xmlns="" xmlns:p14="http://schemas.microsoft.com/office/powerpoint/2010/main" Requires="p14">
       <p:transition spd="med" p14:dur="700">
         <p:fade/>
       </p:transition>
     </mc:Choice>
-    <mc:Fallback xmlns="">
+    <mc:Fallback>
       <p:transition spd="med">
         <p:fade/>
       </p:transition>
@@ -2995,6 +2882,7 @@
           <a:p>
             <a:fld id="{09BB4549-8E6C-4679-B9B0-E6ED3F06CB92}" type="datetime1">
               <a:rPr lang="en-US" smtClean="0"/>
+              <a:pPr/>
               <a:t>3/4/2014</a:t>
             </a:fld>
             <a:endParaRPr lang="en-US" dirty="0"/>
@@ -3047,20 +2935,20 @@
     </p:spTree>
     <p:extLst>
       <p:ext uri="{BB962C8B-B14F-4D97-AF65-F5344CB8AC3E}">
-        <p14:creationId xmlns:p14="http://schemas.microsoft.com/office/powerpoint/2010/main" val="1539849771"/>
+        <p14:creationId xmlns="" xmlns:p14="http://schemas.microsoft.com/office/powerpoint/2010/main" val="1539849771"/>
       </p:ext>
     </p:extLst>
   </p:cSld>
   <p:clrMapOvr>
     <a:masterClrMapping/>
   </p:clrMapOvr>
-  <mc:AlternateContent xmlns:mc="http://schemas.openxmlformats.org/markup-compatibility/2006" xmlns:p14="http://schemas.microsoft.com/office/powerpoint/2010/main">
-    <mc:Choice Requires="p14">
+  <mc:AlternateContent xmlns:mc="http://schemas.openxmlformats.org/markup-compatibility/2006">
+    <mc:Choice xmlns="" xmlns:p14="http://schemas.microsoft.com/office/powerpoint/2010/main" Requires="p14">
       <p:transition spd="med" p14:dur="700">
         <p:fade/>
       </p:transition>
     </mc:Choice>
-    <mc:Fallback xmlns="">
+    <mc:Fallback>
       <p:transition spd="med">
         <p:fade/>
       </p:transition>
@@ -3436,6 +3324,7 @@
           <a:p>
             <a:fld id="{3D4D5FCF-1F87-48CE-84CD-8FCD70F8F87D}" type="datetime1">
               <a:rPr lang="en-US" smtClean="0"/>
+              <a:pPr/>
               <a:t>3/4/2014</a:t>
             </a:fld>
             <a:endParaRPr lang="en-US" dirty="0"/>
@@ -3488,20 +3377,20 @@
     </p:spTree>
     <p:extLst>
       <p:ext uri="{BB962C8B-B14F-4D97-AF65-F5344CB8AC3E}">
-        <p14:creationId xmlns:p14="http://schemas.microsoft.com/office/powerpoint/2010/main" val="2313805884"/>
+        <p14:creationId xmlns="" xmlns:p14="http://schemas.microsoft.com/office/powerpoint/2010/main" val="2313805884"/>
       </p:ext>
     </p:extLst>
   </p:cSld>
   <p:clrMapOvr>
     <a:masterClrMapping/>
   </p:clrMapOvr>
-  <mc:AlternateContent xmlns:mc="http://schemas.openxmlformats.org/markup-compatibility/2006" xmlns:p14="http://schemas.microsoft.com/office/powerpoint/2010/main">
-    <mc:Choice Requires="p14">
+  <mc:AlternateContent xmlns:mc="http://schemas.openxmlformats.org/markup-compatibility/2006">
+    <mc:Choice xmlns="" xmlns:p14="http://schemas.microsoft.com/office/powerpoint/2010/main" Requires="p14">
       <p:transition spd="med" p14:dur="700">
         <p:fade/>
       </p:transition>
     </mc:Choice>
-    <mc:Fallback xmlns="">
+    <mc:Fallback>
       <p:transition spd="med">
         <p:fade/>
       </p:transition>
@@ -3613,6 +3502,7 @@
           <a:p>
             <a:fld id="{296C1AE3-E393-4BD7-B6E3-A5800541F40A}" type="datetime1">
               <a:rPr lang="en-US" smtClean="0"/>
+              <a:pPr/>
               <a:t>3/4/2014</a:t>
             </a:fld>
             <a:endParaRPr lang="en-US" dirty="0"/>
@@ -3665,20 +3555,20 @@
     </p:spTree>
     <p:extLst>
       <p:ext uri="{BB962C8B-B14F-4D97-AF65-F5344CB8AC3E}">
-        <p14:creationId xmlns:p14="http://schemas.microsoft.com/office/powerpoint/2010/main" val="1447033059"/>
+        <p14:creationId xmlns="" xmlns:p14="http://schemas.microsoft.com/office/powerpoint/2010/main" val="1447033059"/>
       </p:ext>
     </p:extLst>
   </p:cSld>
   <p:clrMapOvr>
     <a:masterClrMapping/>
   </p:clrMapOvr>
-  <mc:AlternateContent xmlns:mc="http://schemas.openxmlformats.org/markup-compatibility/2006" xmlns:p14="http://schemas.microsoft.com/office/powerpoint/2010/main">
-    <mc:Choice Requires="p14">
+  <mc:AlternateContent xmlns:mc="http://schemas.openxmlformats.org/markup-compatibility/2006">
+    <mc:Choice xmlns="" xmlns:p14="http://schemas.microsoft.com/office/powerpoint/2010/main" Requires="p14">
       <p:transition spd="med" p14:dur="700">
         <p:fade/>
       </p:transition>
     </mc:Choice>
-    <mc:Fallback xmlns="">
+    <mc:Fallback>
       <p:transition spd="med">
         <p:fade/>
       </p:transition>
@@ -3728,6 +3618,7 @@
           <a:p>
             <a:fld id="{39A98BD5-22CE-4F0C-9AF4-9C5602FE76AE}" type="datetime1">
               <a:rPr lang="en-US" smtClean="0"/>
+              <a:pPr/>
               <a:t>3/4/2014</a:t>
             </a:fld>
             <a:endParaRPr lang="en-US" dirty="0"/>
@@ -3780,20 +3671,20 @@
     </p:spTree>
     <p:extLst>
       <p:ext uri="{BB962C8B-B14F-4D97-AF65-F5344CB8AC3E}">
-        <p14:creationId xmlns:p14="http://schemas.microsoft.com/office/powerpoint/2010/main" val="1003210152"/>
+        <p14:creationId xmlns="" xmlns:p14="http://schemas.microsoft.com/office/powerpoint/2010/main" val="1003210152"/>
       </p:ext>
     </p:extLst>
   </p:cSld>
   <p:clrMapOvr>
     <a:masterClrMapping/>
   </p:clrMapOvr>
-  <mc:AlternateContent xmlns:mc="http://schemas.openxmlformats.org/markup-compatibility/2006" xmlns:p14="http://schemas.microsoft.com/office/powerpoint/2010/main">
-    <mc:Choice Requires="p14">
+  <mc:AlternateContent xmlns:mc="http://schemas.openxmlformats.org/markup-compatibility/2006">
+    <mc:Choice xmlns="" xmlns:p14="http://schemas.microsoft.com/office/powerpoint/2010/main" Requires="p14">
       <p:transition spd="med" p14:dur="700">
         <p:fade/>
       </p:transition>
     </mc:Choice>
-    <mc:Fallback xmlns="">
+    <mc:Fallback>
       <p:transition spd="med">
         <p:fade/>
       </p:transition>
@@ -4126,6 +4017,7 @@
           <a:p>
             <a:fld id="{9348A789-64A9-4190-BD91-E7D6460EC83A}" type="datetime1">
               <a:rPr lang="en-US" smtClean="0"/>
+              <a:pPr/>
               <a:t>3/4/2014</a:t>
             </a:fld>
             <a:endParaRPr lang="en-US" dirty="0"/>
@@ -4200,20 +4092,20 @@
     </p:spTree>
     <p:extLst>
       <p:ext uri="{BB962C8B-B14F-4D97-AF65-F5344CB8AC3E}">
-        <p14:creationId xmlns:p14="http://schemas.microsoft.com/office/powerpoint/2010/main" val="3875089196"/>
+        <p14:creationId xmlns="" xmlns:p14="http://schemas.microsoft.com/office/powerpoint/2010/main" val="3875089196"/>
       </p:ext>
     </p:extLst>
   </p:cSld>
   <p:clrMapOvr>
     <a:masterClrMapping/>
   </p:clrMapOvr>
-  <mc:AlternateContent xmlns:mc="http://schemas.openxmlformats.org/markup-compatibility/2006" xmlns:p14="http://schemas.microsoft.com/office/powerpoint/2010/main">
-    <mc:Choice Requires="p14">
+  <mc:AlternateContent xmlns:mc="http://schemas.openxmlformats.org/markup-compatibility/2006">
+    <mc:Choice xmlns="" xmlns:p14="http://schemas.microsoft.com/office/powerpoint/2010/main" Requires="p14">
       <p:transition spd="med" p14:dur="700">
         <p:fade/>
       </p:transition>
     </mc:Choice>
-    <mc:Fallback xmlns="">
+    <mc:Fallback>
       <p:transition spd="med">
         <p:fade/>
       </p:transition>
@@ -4435,6 +4327,7 @@
           <a:p>
             <a:fld id="{ACDCF6A6-1007-407B-98B6-A7833A6E29B7}" type="datetime1">
               <a:rPr lang="en-US" smtClean="0"/>
+              <a:pPr/>
               <a:t>3/4/2014</a:t>
             </a:fld>
             <a:endParaRPr lang="en-US" dirty="0"/>
@@ -4487,20 +4380,20 @@
     </p:spTree>
     <p:extLst>
       <p:ext uri="{BB962C8B-B14F-4D97-AF65-F5344CB8AC3E}">
-        <p14:creationId xmlns:p14="http://schemas.microsoft.com/office/powerpoint/2010/main" val="1484665387"/>
+        <p14:creationId xmlns="" xmlns:p14="http://schemas.microsoft.com/office/powerpoint/2010/main" val="1484665387"/>
       </p:ext>
     </p:extLst>
   </p:cSld>
   <p:clrMapOvr>
     <a:masterClrMapping/>
   </p:clrMapOvr>
-  <mc:AlternateContent xmlns:mc="http://schemas.openxmlformats.org/markup-compatibility/2006" xmlns:p14="http://schemas.microsoft.com/office/powerpoint/2010/main">
-    <mc:Choice Requires="p14">
+  <mc:AlternateContent xmlns:mc="http://schemas.openxmlformats.org/markup-compatibility/2006">
+    <mc:Choice xmlns="" xmlns:p14="http://schemas.microsoft.com/office/powerpoint/2010/main" Requires="p14">
       <p:transition spd="med" p14:dur="700">
         <p:fade/>
       </p:transition>
     </mc:Choice>
-    <mc:Fallback xmlns="">
+    <mc:Fallback>
       <p:transition spd="med">
         <p:fade/>
       </p:transition>
@@ -4666,6 +4559,7 @@
           <a:p>
             <a:fld id="{F1635A39-9CC8-418E-952A-D70516934E20}" type="datetime1">
               <a:rPr lang="en-US" smtClean="0"/>
+              <a:pPr/>
               <a:t>3/4/2014</a:t>
             </a:fld>
             <a:endParaRPr lang="en-US" dirty="0"/>
@@ -4861,7 +4755,7 @@
     </p:spTree>
     <p:extLst>
       <p:ext uri="{BB962C8B-B14F-4D97-AF65-F5344CB8AC3E}">
-        <p14:creationId xmlns:p14="http://schemas.microsoft.com/office/powerpoint/2010/main" val="657212776"/>
+        <p14:creationId xmlns="" xmlns:p14="http://schemas.microsoft.com/office/powerpoint/2010/main" val="657212776"/>
       </p:ext>
     </p:extLst>
   </p:cSld>
@@ -4880,13 +4774,13 @@
     <p:sldLayoutId id="2147484103" r:id="rId11"/>
     <p:sldLayoutId id="2147483770" r:id="rId12"/>
   </p:sldLayoutIdLst>
-  <mc:AlternateContent xmlns:mc="http://schemas.openxmlformats.org/markup-compatibility/2006" xmlns:p14="http://schemas.microsoft.com/office/powerpoint/2010/main">
-    <mc:Choice Requires="p14">
+  <mc:AlternateContent xmlns:mc="http://schemas.openxmlformats.org/markup-compatibility/2006">
+    <mc:Choice xmlns="" xmlns:p14="http://schemas.microsoft.com/office/powerpoint/2010/main" Requires="p14">
       <p:transition spd="med" p14:dur="700">
         <p:fade/>
       </p:transition>
     </mc:Choice>
-    <mc:Fallback xmlns="">
+    <mc:Fallback>
       <p:transition spd="med">
         <p:fade/>
       </p:transition>
@@ -5349,20 +5243,20 @@
     </p:spTree>
     <p:extLst>
       <p:ext uri="{BB962C8B-B14F-4D97-AF65-F5344CB8AC3E}">
-        <p14:creationId xmlns:p14="http://schemas.microsoft.com/office/powerpoint/2010/main" val="2707543024"/>
+        <p14:creationId xmlns="" xmlns:p14="http://schemas.microsoft.com/office/powerpoint/2010/main" val="2707543024"/>
       </p:ext>
     </p:extLst>
   </p:cSld>
   <p:clrMapOvr>
     <a:masterClrMapping/>
   </p:clrMapOvr>
-  <mc:AlternateContent xmlns:mc="http://schemas.openxmlformats.org/markup-compatibility/2006" xmlns:p14="http://schemas.microsoft.com/office/powerpoint/2010/main">
-    <mc:Choice Requires="p14">
+  <mc:AlternateContent xmlns:mc="http://schemas.openxmlformats.org/markup-compatibility/2006">
+    <mc:Choice xmlns="" xmlns:p14="http://schemas.microsoft.com/office/powerpoint/2010/main" Requires="p14">
       <p:transition spd="med" p14:dur="700">
         <p:fade/>
       </p:transition>
     </mc:Choice>
-    <mc:Fallback xmlns="">
+    <mc:Fallback>
       <p:transition spd="med">
         <p:fade/>
       </p:transition>
@@ -5580,7 +5474,7 @@
           <a:blip r:embed="rId2">
             <a:extLst>
               <a:ext uri="{28A0092B-C50C-407E-A947-70E740481C1C}">
-                <a14:useLocalDpi xmlns:a14="http://schemas.microsoft.com/office/drawing/2010/main" val="0"/>
+                <a14:useLocalDpi xmlns="" xmlns:a14="http://schemas.microsoft.com/office/drawing/2010/main" val="0"/>
               </a:ext>
             </a:extLst>
           </a:blip>
@@ -5601,25 +5495,32 @@
     </p:spTree>
     <p:extLst>
       <p:ext uri="{BB962C8B-B14F-4D97-AF65-F5344CB8AC3E}">
-        <p14:creationId xmlns:p14="http://schemas.microsoft.com/office/powerpoint/2010/main" val="819507665"/>
+        <p14:creationId xmlns="" xmlns:p14="http://schemas.microsoft.com/office/powerpoint/2010/main" val="819507665"/>
       </p:ext>
     </p:extLst>
   </p:cSld>
   <p:clrMapOvr>
     <a:masterClrMapping/>
   </p:clrMapOvr>
-  <mc:AlternateContent xmlns:mc="http://schemas.openxmlformats.org/markup-compatibility/2006" xmlns:p14="http://schemas.microsoft.com/office/powerpoint/2010/main">
-    <mc:Choice Requires="p14">
+  <mc:AlternateContent xmlns:mc="http://schemas.openxmlformats.org/markup-compatibility/2006">
+    <mc:Choice xmlns="" xmlns:p14="http://schemas.microsoft.com/office/powerpoint/2010/main" Requires="p14">
       <p:transition spd="med" p14:dur="700">
         <p:fade/>
       </p:transition>
     </mc:Choice>
-    <mc:Fallback xmlns="">
+    <mc:Fallback>
       <p:transition spd="med">
         <p:fade/>
       </p:transition>
     </mc:Fallback>
   </mc:AlternateContent>
+  <p:timing>
+    <p:tnLst>
+      <p:par>
+        <p:cTn id="1" dur="indefinite" restart="never" nodeType="tmRoot"/>
+      </p:par>
+    </p:tnLst>
+  </p:timing>
 </p:sld>
 </file>
 
@@ -5767,21 +5668,7 @@
                 <a:latin typeface="Arial" panose="020B0604020202020204" pitchFamily="34" charset="0"/>
                 <a:cs typeface="Arial" panose="020B0604020202020204" pitchFamily="34" charset="0"/>
               </a:rPr>
-              <a:t> </a:t>
-            </a:r>
-            <a:r>
-              <a:rPr lang="en-US" sz="1400" b="1" dirty="0" smtClean="0">
-                <a:latin typeface="Arial" panose="020B0604020202020204" pitchFamily="34" charset="0"/>
-                <a:cs typeface="Arial" panose="020B0604020202020204" pitchFamily="34" charset="0"/>
-              </a:rPr>
-              <a:t>              Figure </a:t>
-            </a:r>
-            <a:r>
-              <a:rPr lang="en-US" sz="1400" b="1" dirty="0" smtClean="0">
-                <a:latin typeface="Arial" panose="020B0604020202020204" pitchFamily="34" charset="0"/>
-                <a:cs typeface="Arial" panose="020B0604020202020204" pitchFamily="34" charset="0"/>
-              </a:rPr>
-              <a:t>1.7 – Sequence Diagram</a:t>
+              <a:t>               Figure 1.7 – Sequence Diagram</a:t>
             </a:r>
             <a:endParaRPr lang="en-US" sz="1400" b="1" dirty="0">
               <a:latin typeface="Arial" panose="020B0604020202020204" pitchFamily="34" charset="0"/>
@@ -5834,7 +5721,7 @@
           <a:blip r:embed="rId2">
             <a:extLst>
               <a:ext uri="{28A0092B-C50C-407E-A947-70E740481C1C}">
-                <a14:useLocalDpi xmlns:a14="http://schemas.microsoft.com/office/drawing/2010/main" val="0"/>
+                <a14:useLocalDpi xmlns="" xmlns:a14="http://schemas.microsoft.com/office/drawing/2010/main" val="0"/>
               </a:ext>
             </a:extLst>
           </a:blip>
@@ -5855,25 +5742,32 @@
     </p:spTree>
     <p:extLst>
       <p:ext uri="{BB962C8B-B14F-4D97-AF65-F5344CB8AC3E}">
-        <p14:creationId xmlns:p14="http://schemas.microsoft.com/office/powerpoint/2010/main" val="459668778"/>
+        <p14:creationId xmlns="" xmlns:p14="http://schemas.microsoft.com/office/powerpoint/2010/main" val="459668778"/>
       </p:ext>
     </p:extLst>
   </p:cSld>
   <p:clrMapOvr>
     <a:masterClrMapping/>
   </p:clrMapOvr>
-  <mc:AlternateContent xmlns:mc="http://schemas.openxmlformats.org/markup-compatibility/2006" xmlns:p14="http://schemas.microsoft.com/office/powerpoint/2010/main">
-    <mc:Choice Requires="p14">
+  <mc:AlternateContent xmlns:mc="http://schemas.openxmlformats.org/markup-compatibility/2006">
+    <mc:Choice xmlns="" xmlns:p14="http://schemas.microsoft.com/office/powerpoint/2010/main" Requires="p14">
       <p:transition spd="med" p14:dur="700">
         <p:fade/>
       </p:transition>
     </mc:Choice>
-    <mc:Fallback xmlns="">
+    <mc:Fallback>
       <p:transition spd="med">
         <p:fade/>
       </p:transition>
     </mc:Fallback>
   </mc:AlternateContent>
+  <p:timing>
+    <p:tnLst>
+      <p:par>
+        <p:cTn id="1" dur="indefinite" restart="never" nodeType="tmRoot"/>
+      </p:par>
+    </p:tnLst>
+  </p:timing>
 </p:sld>
 </file>
 
@@ -5930,7 +5824,7 @@
           <a:blip r:embed="rId2">
             <a:extLst>
               <a:ext uri="{28A0092B-C50C-407E-A947-70E740481C1C}">
-                <a14:useLocalDpi xmlns:a14="http://schemas.microsoft.com/office/drawing/2010/main" val="0"/>
+                <a14:useLocalDpi xmlns="" xmlns:a14="http://schemas.microsoft.com/office/drawing/2010/main" val="0"/>
               </a:ext>
             </a:extLst>
           </a:blip>
@@ -5987,7 +5881,7 @@
     </p:spTree>
     <p:extLst>
       <p:ext uri="{BB962C8B-B14F-4D97-AF65-F5344CB8AC3E}">
-        <p14:creationId xmlns:p14="http://schemas.microsoft.com/office/powerpoint/2010/main" val="487569152"/>
+        <p14:creationId xmlns="" xmlns:p14="http://schemas.microsoft.com/office/powerpoint/2010/main" val="487569152"/>
       </p:ext>
     </p:extLst>
   </p:cSld>
@@ -5995,7 +5889,7 @@
     <a:masterClrMapping/>
   </p:clrMapOvr>
   <mc:AlternateContent xmlns:mc="http://schemas.openxmlformats.org/markup-compatibility/2006">
-    <mc:Choice xmlns:p14="http://schemas.microsoft.com/office/powerpoint/2010/main" Requires="p14">
+    <mc:Choice xmlns="" xmlns:p14="http://schemas.microsoft.com/office/powerpoint/2010/main" Requires="p14">
       <p:transition spd="med" p14:dur="700">
         <p:fade/>
       </p:transition>
@@ -6006,6 +5900,13 @@
       </p:transition>
     </mc:Fallback>
   </mc:AlternateContent>
+  <p:timing>
+    <p:tnLst>
+      <p:par>
+        <p:cTn id="1" dur="indefinite" restart="never" nodeType="tmRoot"/>
+      </p:par>
+    </p:tnLst>
+  </p:timing>
 </p:sld>
 </file>
 
@@ -6062,7 +5963,7 @@
           <a:blip r:embed="rId2">
             <a:extLst>
               <a:ext uri="{28A0092B-C50C-407E-A947-70E740481C1C}">
-                <a14:useLocalDpi xmlns:a14="http://schemas.microsoft.com/office/drawing/2010/main" val="0"/>
+                <a14:useLocalDpi xmlns="" xmlns:a14="http://schemas.microsoft.com/office/drawing/2010/main" val="0"/>
               </a:ext>
             </a:extLst>
           </a:blip>
@@ -6119,7 +6020,7 @@
     </p:spTree>
     <p:extLst>
       <p:ext uri="{BB962C8B-B14F-4D97-AF65-F5344CB8AC3E}">
-        <p14:creationId xmlns:p14="http://schemas.microsoft.com/office/powerpoint/2010/main" val="1693013054"/>
+        <p14:creationId xmlns="" xmlns:p14="http://schemas.microsoft.com/office/powerpoint/2010/main" val="1693013054"/>
       </p:ext>
     </p:extLst>
   </p:cSld>
@@ -6127,7 +6028,7 @@
     <a:masterClrMapping/>
   </p:clrMapOvr>
   <mc:AlternateContent xmlns:mc="http://schemas.openxmlformats.org/markup-compatibility/2006">
-    <mc:Choice xmlns:p14="http://schemas.microsoft.com/office/powerpoint/2010/main" Requires="p14">
+    <mc:Choice xmlns="" xmlns:p14="http://schemas.microsoft.com/office/powerpoint/2010/main" Requires="p14">
       <p:transition spd="med" p14:dur="700">
         <p:fade/>
       </p:transition>
@@ -6138,6 +6039,13 @@
       </p:transition>
     </mc:Fallback>
   </mc:AlternateContent>
+  <p:timing>
+    <p:tnLst>
+      <p:par>
+        <p:cTn id="1" dur="indefinite" restart="never" nodeType="tmRoot"/>
+      </p:par>
+    </p:tnLst>
+  </p:timing>
 </p:sld>
 </file>
 
@@ -6194,7 +6102,7 @@
           <a:blip r:embed="rId2">
             <a:extLst>
               <a:ext uri="{28A0092B-C50C-407E-A947-70E740481C1C}">
-                <a14:useLocalDpi xmlns:a14="http://schemas.microsoft.com/office/drawing/2010/main" val="0"/>
+                <a14:useLocalDpi xmlns="" xmlns:a14="http://schemas.microsoft.com/office/drawing/2010/main" val="0"/>
               </a:ext>
             </a:extLst>
           </a:blip>
@@ -6251,7 +6159,7 @@
     </p:spTree>
     <p:extLst>
       <p:ext uri="{BB962C8B-B14F-4D97-AF65-F5344CB8AC3E}">
-        <p14:creationId xmlns:p14="http://schemas.microsoft.com/office/powerpoint/2010/main" val="3375992898"/>
+        <p14:creationId xmlns="" xmlns:p14="http://schemas.microsoft.com/office/powerpoint/2010/main" val="3375992898"/>
       </p:ext>
     </p:extLst>
   </p:cSld>
@@ -6259,7 +6167,7 @@
     <a:masterClrMapping/>
   </p:clrMapOvr>
   <mc:AlternateContent xmlns:mc="http://schemas.openxmlformats.org/markup-compatibility/2006">
-    <mc:Choice xmlns:p14="http://schemas.microsoft.com/office/powerpoint/2010/main" Requires="p14">
+    <mc:Choice xmlns="" xmlns:p14="http://schemas.microsoft.com/office/powerpoint/2010/main" Requires="p14">
       <p:transition spd="med" p14:dur="700">
         <p:fade/>
       </p:transition>
@@ -6270,6 +6178,13 @@
       </p:transition>
     </mc:Fallback>
   </mc:AlternateContent>
+  <p:timing>
+    <p:tnLst>
+      <p:par>
+        <p:cTn id="1" dur="indefinite" restart="never" nodeType="tmRoot"/>
+      </p:par>
+    </p:tnLst>
+  </p:timing>
 </p:sld>
 </file>
 
@@ -6326,7 +6241,7 @@
           <a:blip r:embed="rId2">
             <a:extLst>
               <a:ext uri="{28A0092B-C50C-407E-A947-70E740481C1C}">
-                <a14:useLocalDpi xmlns:a14="http://schemas.microsoft.com/office/drawing/2010/main" val="0"/>
+                <a14:useLocalDpi xmlns="" xmlns:a14="http://schemas.microsoft.com/office/drawing/2010/main" val="0"/>
               </a:ext>
             </a:extLst>
           </a:blip>
@@ -6383,25 +6298,32 @@
     </p:spTree>
     <p:extLst>
       <p:ext uri="{BB962C8B-B14F-4D97-AF65-F5344CB8AC3E}">
-        <p14:creationId xmlns:p14="http://schemas.microsoft.com/office/powerpoint/2010/main" val="3796563167"/>
+        <p14:creationId xmlns="" xmlns:p14="http://schemas.microsoft.com/office/powerpoint/2010/main" val="3796563167"/>
       </p:ext>
     </p:extLst>
   </p:cSld>
   <p:clrMapOvr>
     <a:masterClrMapping/>
   </p:clrMapOvr>
-  <mc:AlternateContent xmlns:mc="http://schemas.openxmlformats.org/markup-compatibility/2006" xmlns:p14="http://schemas.microsoft.com/office/powerpoint/2010/main">
-    <mc:Choice Requires="p14">
+  <mc:AlternateContent xmlns:mc="http://schemas.openxmlformats.org/markup-compatibility/2006">
+    <mc:Choice xmlns="" xmlns:p14="http://schemas.microsoft.com/office/powerpoint/2010/main" Requires="p14">
       <p:transition spd="med" p14:dur="700">
         <p:fade/>
       </p:transition>
     </mc:Choice>
-    <mc:Fallback xmlns="">
+    <mc:Fallback>
       <p:transition spd="med">
         <p:fade/>
       </p:transition>
     </mc:Fallback>
   </mc:AlternateContent>
+  <p:timing>
+    <p:tnLst>
+      <p:par>
+        <p:cTn id="1" dur="indefinite" restart="never" nodeType="tmRoot"/>
+      </p:par>
+    </p:tnLst>
+  </p:timing>
 </p:sld>
 </file>
 
@@ -6446,94 +6368,95 @@
           </a:p>
         </p:txBody>
       </p:sp>
+      <p:sp>
+        <p:nvSpPr>
+          <p:cNvPr id="6" name="TextBox 5"/>
+          <p:cNvSpPr txBox="1"/>
+          <p:nvPr/>
+        </p:nvSpPr>
+        <p:spPr>
+          <a:xfrm>
+            <a:off x="2514600" y="6308382"/>
+            <a:ext cx="4648200" cy="461665"/>
+          </a:xfrm>
+          <a:prstGeom prst="rect">
+            <a:avLst/>
+          </a:prstGeom>
+          <a:noFill/>
+        </p:spPr>
+        <p:txBody>
+          <a:bodyPr wrap="square" rtlCol="0">
+            <a:spAutoFit/>
+          </a:bodyPr>
+          <a:lstStyle/>
+          <a:p>
+            <a:r>
+              <a:rPr lang="en-US" sz="2400" dirty="0" smtClean="0">
+                <a:latin typeface="Arial" panose="020B0604020202020204" pitchFamily="34" charset="0"/>
+                <a:cs typeface="Arial" panose="020B0604020202020204" pitchFamily="34" charset="0"/>
+              </a:rPr>
+              <a:t>Activity Diagram Continued…</a:t>
+            </a:r>
+            <a:endParaRPr lang="en-US" sz="2400" dirty="0">
+              <a:latin typeface="Arial" panose="020B0604020202020204" pitchFamily="34" charset="0"/>
+              <a:cs typeface="Arial" panose="020B0604020202020204" pitchFamily="34" charset="0"/>
+            </a:endParaRPr>
+          </a:p>
+        </p:txBody>
+      </p:sp>
       <p:pic>
         <p:nvPicPr>
-          <p:cNvPr id="2" name="Picture 1"/>
+          <p:cNvPr id="5" name="Picture 4" descr="1. Activity Diagram 2.png"/>
           <p:cNvPicPr>
             <a:picLocks noChangeAspect="1"/>
           </p:cNvPicPr>
           <p:nvPr/>
         </p:nvPicPr>
         <p:blipFill>
-          <a:blip r:embed="rId2">
-            <a:extLst>
-              <a:ext uri="{28A0092B-C50C-407E-A947-70E740481C1C}">
-                <a14:useLocalDpi xmlns:a14="http://schemas.microsoft.com/office/drawing/2010/main" val="0"/>
-              </a:ext>
-            </a:extLst>
-          </a:blip>
+          <a:blip r:embed="rId2"/>
           <a:stretch>
             <a:fillRect/>
           </a:stretch>
         </p:blipFill>
         <p:spPr>
           <a:xfrm>
-            <a:off x="668950" y="595148"/>
-            <a:ext cx="7867650" cy="5543550"/>
+            <a:off x="638666" y="657571"/>
+            <a:ext cx="7866667" cy="5542858"/>
           </a:xfrm>
           <a:prstGeom prst="rect">
             <a:avLst/>
           </a:prstGeom>
         </p:spPr>
       </p:pic>
-      <p:sp>
-        <p:nvSpPr>
-          <p:cNvPr id="6" name="TextBox 5"/>
-          <p:cNvSpPr txBox="1"/>
-          <p:nvPr/>
-        </p:nvSpPr>
-        <p:spPr>
-          <a:xfrm>
-            <a:off x="2514600" y="6308382"/>
-            <a:ext cx="4648200" cy="461665"/>
-          </a:xfrm>
-          <a:prstGeom prst="rect">
-            <a:avLst/>
-          </a:prstGeom>
-          <a:noFill/>
-        </p:spPr>
-        <p:txBody>
-          <a:bodyPr wrap="square" rtlCol="0">
-            <a:spAutoFit/>
-          </a:bodyPr>
-          <a:lstStyle/>
-          <a:p>
-            <a:r>
-              <a:rPr lang="en-US" sz="2400" dirty="0" smtClean="0">
-                <a:latin typeface="Arial" panose="020B0604020202020204" pitchFamily="34" charset="0"/>
-                <a:cs typeface="Arial" panose="020B0604020202020204" pitchFamily="34" charset="0"/>
-              </a:rPr>
-              <a:t>Activity Diagram Continued…</a:t>
-            </a:r>
-            <a:endParaRPr lang="en-US" sz="2400" dirty="0">
-              <a:latin typeface="Arial" panose="020B0604020202020204" pitchFamily="34" charset="0"/>
-              <a:cs typeface="Arial" panose="020B0604020202020204" pitchFamily="34" charset="0"/>
-            </a:endParaRPr>
-          </a:p>
-        </p:txBody>
-      </p:sp>
     </p:spTree>
     <p:extLst>
       <p:ext uri="{BB962C8B-B14F-4D97-AF65-F5344CB8AC3E}">
-        <p14:creationId xmlns:p14="http://schemas.microsoft.com/office/powerpoint/2010/main" val="2378835781"/>
+        <p14:creationId xmlns="" xmlns:p14="http://schemas.microsoft.com/office/powerpoint/2010/main" val="2378835781"/>
       </p:ext>
     </p:extLst>
   </p:cSld>
   <p:clrMapOvr>
     <a:masterClrMapping/>
   </p:clrMapOvr>
-  <mc:AlternateContent xmlns:mc="http://schemas.openxmlformats.org/markup-compatibility/2006" xmlns:p14="http://schemas.microsoft.com/office/powerpoint/2010/main">
-    <mc:Choice Requires="p14">
+  <mc:AlternateContent xmlns:mc="http://schemas.openxmlformats.org/markup-compatibility/2006">
+    <mc:Choice xmlns="" xmlns:p14="http://schemas.microsoft.com/office/powerpoint/2010/main" Requires="p14">
       <p:transition spd="med" p14:dur="700">
         <p:fade/>
       </p:transition>
     </mc:Choice>
-    <mc:Fallback xmlns="">
+    <mc:Fallback>
       <p:transition spd="med">
         <p:fade/>
       </p:transition>
     </mc:Fallback>
   </mc:AlternateContent>
+  <p:timing>
+    <p:tnLst>
+      <p:par>
+        <p:cTn id="1" dur="indefinite" restart="never" nodeType="tmRoot"/>
+      </p:par>
+    </p:tnLst>
+  </p:timing>
 </p:sld>
 </file>
 
@@ -6649,25 +6572,32 @@
     </p:spTree>
     <p:extLst>
       <p:ext uri="{BB962C8B-B14F-4D97-AF65-F5344CB8AC3E}">
-        <p14:creationId xmlns:p14="http://schemas.microsoft.com/office/powerpoint/2010/main" val="4040384783"/>
+        <p14:creationId xmlns="" xmlns:p14="http://schemas.microsoft.com/office/powerpoint/2010/main" val="4040384783"/>
       </p:ext>
     </p:extLst>
   </p:cSld>
   <p:clrMapOvr>
     <a:masterClrMapping/>
   </p:clrMapOvr>
-  <mc:AlternateContent xmlns:mc="http://schemas.openxmlformats.org/markup-compatibility/2006" xmlns:p14="http://schemas.microsoft.com/office/powerpoint/2010/main">
-    <mc:Choice Requires="p14">
+  <mc:AlternateContent xmlns:mc="http://schemas.openxmlformats.org/markup-compatibility/2006">
+    <mc:Choice xmlns="" xmlns:p14="http://schemas.microsoft.com/office/powerpoint/2010/main" Requires="p14">
       <p:transition spd="med" p14:dur="700">
         <p:fade/>
       </p:transition>
     </mc:Choice>
-    <mc:Fallback xmlns="">
+    <mc:Fallback>
       <p:transition spd="med">
         <p:fade/>
       </p:transition>
     </mc:Fallback>
   </mc:AlternateContent>
+  <p:timing>
+    <p:tnLst>
+      <p:par>
+        <p:cTn id="1" dur="indefinite" restart="never" nodeType="tmRoot"/>
+      </p:par>
+    </p:tnLst>
+  </p:timing>
 </p:sld>
 </file>
 
@@ -6742,14 +6672,7 @@
                 <a:latin typeface="Arial" panose="020B0604020202020204" pitchFamily="34" charset="0"/>
                 <a:cs typeface="Arial" panose="020B0604020202020204" pitchFamily="34" charset="0"/>
               </a:rPr>
-              <a:t>Thank </a:t>
-            </a:r>
-            <a:r>
-              <a:rPr lang="en-US" sz="5400" dirty="0" smtClean="0">
-                <a:latin typeface="Arial" panose="020B0604020202020204" pitchFamily="34" charset="0"/>
-                <a:cs typeface="Arial" panose="020B0604020202020204" pitchFamily="34" charset="0"/>
-              </a:rPr>
-              <a:t>You</a:t>
+              <a:t>Thank You</a:t>
             </a:r>
             <a:endParaRPr lang="en-US" sz="5400" dirty="0">
               <a:latin typeface="Arial" panose="020B0604020202020204" pitchFamily="34" charset="0"/>
@@ -6761,25 +6684,32 @@
     </p:spTree>
     <p:extLst>
       <p:ext uri="{BB962C8B-B14F-4D97-AF65-F5344CB8AC3E}">
-        <p14:creationId xmlns:p14="http://schemas.microsoft.com/office/powerpoint/2010/main" val="3482577830"/>
+        <p14:creationId xmlns="" xmlns:p14="http://schemas.microsoft.com/office/powerpoint/2010/main" val="3482577830"/>
       </p:ext>
     </p:extLst>
   </p:cSld>
   <p:clrMapOvr>
     <a:masterClrMapping/>
   </p:clrMapOvr>
-  <mc:AlternateContent xmlns:mc="http://schemas.openxmlformats.org/markup-compatibility/2006" xmlns:p14="http://schemas.microsoft.com/office/powerpoint/2010/main">
-    <mc:Choice Requires="p14">
+  <mc:AlternateContent xmlns:mc="http://schemas.openxmlformats.org/markup-compatibility/2006">
+    <mc:Choice xmlns="" xmlns:p14="http://schemas.microsoft.com/office/powerpoint/2010/main" Requires="p14">
       <p:transition spd="med" p14:dur="700">
         <p:fade/>
       </p:transition>
     </mc:Choice>
-    <mc:Fallback xmlns="">
+    <mc:Fallback>
       <p:transition spd="med">
         <p:fade/>
       </p:transition>
     </mc:Fallback>
   </mc:AlternateContent>
+  <p:timing>
+    <p:tnLst>
+      <p:par>
+        <p:cTn id="1" dur="indefinite" restart="never" nodeType="tmRoot"/>
+      </p:par>
+    </p:tnLst>
+  </p:timing>
 </p:sld>
 </file>
 
@@ -6866,25 +6796,32 @@
     </p:spTree>
     <p:extLst>
       <p:ext uri="{BB962C8B-B14F-4D97-AF65-F5344CB8AC3E}">
-        <p14:creationId xmlns:p14="http://schemas.microsoft.com/office/powerpoint/2010/main" val="4000809084"/>
+        <p14:creationId xmlns="" xmlns:p14="http://schemas.microsoft.com/office/powerpoint/2010/main" val="4000809084"/>
       </p:ext>
     </p:extLst>
   </p:cSld>
   <p:clrMapOvr>
     <a:masterClrMapping/>
   </p:clrMapOvr>
-  <mc:AlternateContent xmlns:mc="http://schemas.openxmlformats.org/markup-compatibility/2006" xmlns:p14="http://schemas.microsoft.com/office/powerpoint/2010/main">
-    <mc:Choice Requires="p14">
+  <mc:AlternateContent xmlns:mc="http://schemas.openxmlformats.org/markup-compatibility/2006">
+    <mc:Choice xmlns="" xmlns:p14="http://schemas.microsoft.com/office/powerpoint/2010/main" Requires="p14">
       <p:transition spd="med" p14:dur="700">
         <p:fade/>
       </p:transition>
     </mc:Choice>
-    <mc:Fallback xmlns="">
+    <mc:Fallback>
       <p:transition spd="med">
         <p:fade/>
       </p:transition>
     </mc:Fallback>
   </mc:AlternateContent>
+  <p:timing>
+    <p:tnLst>
+      <p:par>
+        <p:cTn id="1" dur="indefinite" restart="never" nodeType="tmRoot"/>
+      </p:par>
+    </p:tnLst>
+  </p:timing>
 </p:sld>
 </file>
 
@@ -6973,20 +6910,20 @@
     </p:spTree>
     <p:extLst>
       <p:ext uri="{BB962C8B-B14F-4D97-AF65-F5344CB8AC3E}">
-        <p14:creationId xmlns:p14="http://schemas.microsoft.com/office/powerpoint/2010/main" val="906257648"/>
+        <p14:creationId xmlns="" xmlns:p14="http://schemas.microsoft.com/office/powerpoint/2010/main" val="906257648"/>
       </p:ext>
     </p:extLst>
   </p:cSld>
   <p:clrMapOvr>
     <a:masterClrMapping/>
   </p:clrMapOvr>
-  <mc:AlternateContent xmlns:mc="http://schemas.openxmlformats.org/markup-compatibility/2006" xmlns:p14="http://schemas.microsoft.com/office/powerpoint/2010/main">
-    <mc:Choice Requires="p14">
+  <mc:AlternateContent xmlns:mc="http://schemas.openxmlformats.org/markup-compatibility/2006">
+    <mc:Choice xmlns="" xmlns:p14="http://schemas.microsoft.com/office/powerpoint/2010/main" Requires="p14">
       <p:transition spd="med" p14:dur="700">
         <p:fade/>
       </p:transition>
     </mc:Choice>
-    <mc:Fallback xmlns="">
+    <mc:Fallback>
       <p:transition spd="med">
         <p:fade/>
       </p:transition>
@@ -7199,7 +7136,7 @@
           <a:blip r:embed="rId2">
             <a:extLst>
               <a:ext uri="{28A0092B-C50C-407E-A947-70E740481C1C}">
-                <a14:useLocalDpi xmlns:a14="http://schemas.microsoft.com/office/drawing/2010/main" val="0"/>
+                <a14:useLocalDpi xmlns="" xmlns:a14="http://schemas.microsoft.com/office/drawing/2010/main" val="0"/>
               </a:ext>
             </a:extLst>
           </a:blip>
@@ -7220,25 +7157,32 @@
     </p:spTree>
     <p:extLst>
       <p:ext uri="{BB962C8B-B14F-4D97-AF65-F5344CB8AC3E}">
-        <p14:creationId xmlns:p14="http://schemas.microsoft.com/office/powerpoint/2010/main" val="306472292"/>
+        <p14:creationId xmlns="" xmlns:p14="http://schemas.microsoft.com/office/powerpoint/2010/main" val="306472292"/>
       </p:ext>
     </p:extLst>
   </p:cSld>
   <p:clrMapOvr>
     <a:masterClrMapping/>
   </p:clrMapOvr>
-  <mc:AlternateContent xmlns:mc="http://schemas.openxmlformats.org/markup-compatibility/2006" xmlns:p14="http://schemas.microsoft.com/office/powerpoint/2010/main">
-    <mc:Choice Requires="p14">
+  <mc:AlternateContent xmlns:mc="http://schemas.openxmlformats.org/markup-compatibility/2006">
+    <mc:Choice xmlns="" xmlns:p14="http://schemas.microsoft.com/office/powerpoint/2010/main" Requires="p14">
       <p:transition spd="med" p14:dur="700">
         <p:fade/>
       </p:transition>
     </mc:Choice>
-    <mc:Fallback xmlns="">
+    <mc:Fallback>
       <p:transition spd="med">
         <p:fade/>
       </p:transition>
     </mc:Fallback>
   </mc:AlternateContent>
+  <p:timing>
+    <p:tnLst>
+      <p:par>
+        <p:cTn id="1" dur="indefinite" restart="never" nodeType="tmRoot"/>
+      </p:par>
+    </p:tnLst>
+  </p:timing>
 </p:sld>
 </file>
 
@@ -7273,7 +7217,7 @@
           <a:blip r:embed="rId2">
             <a:extLst>
               <a:ext uri="{28A0092B-C50C-407E-A947-70E740481C1C}">
-                <a14:useLocalDpi xmlns:a14="http://schemas.microsoft.com/office/drawing/2010/main" val="0"/>
+                <a14:useLocalDpi xmlns="" xmlns:a14="http://schemas.microsoft.com/office/drawing/2010/main" val="0"/>
               </a:ext>
             </a:extLst>
           </a:blip>
@@ -7365,25 +7309,32 @@
     </p:spTree>
     <p:extLst>
       <p:ext uri="{BB962C8B-B14F-4D97-AF65-F5344CB8AC3E}">
-        <p14:creationId xmlns:p14="http://schemas.microsoft.com/office/powerpoint/2010/main" val="2046875526"/>
+        <p14:creationId xmlns="" xmlns:p14="http://schemas.microsoft.com/office/powerpoint/2010/main" val="2046875526"/>
       </p:ext>
     </p:extLst>
   </p:cSld>
   <p:clrMapOvr>
     <a:masterClrMapping/>
   </p:clrMapOvr>
-  <mc:AlternateContent xmlns:mc="http://schemas.openxmlformats.org/markup-compatibility/2006" xmlns:p14="http://schemas.microsoft.com/office/powerpoint/2010/main">
-    <mc:Choice Requires="p14">
+  <mc:AlternateContent xmlns:mc="http://schemas.openxmlformats.org/markup-compatibility/2006">
+    <mc:Choice xmlns="" xmlns:p14="http://schemas.microsoft.com/office/powerpoint/2010/main" Requires="p14">
       <p:transition spd="med" p14:dur="700">
         <p:fade/>
       </p:transition>
     </mc:Choice>
-    <mc:Fallback xmlns="">
+    <mc:Fallback>
       <p:transition spd="med">
         <p:fade/>
       </p:transition>
     </mc:Fallback>
   </mc:AlternateContent>
+  <p:timing>
+    <p:tnLst>
+      <p:par>
+        <p:cTn id="1" dur="indefinite" restart="never" nodeType="tmRoot"/>
+      </p:par>
+    </p:tnLst>
+  </p:timing>
 </p:sld>
 </file>
 
@@ -7575,7 +7526,7 @@
           <a:blip r:embed="rId2">
             <a:extLst>
               <a:ext uri="{28A0092B-C50C-407E-A947-70E740481C1C}">
-                <a14:useLocalDpi xmlns:a14="http://schemas.microsoft.com/office/drawing/2010/main" val="0"/>
+                <a14:useLocalDpi xmlns="" xmlns:a14="http://schemas.microsoft.com/office/drawing/2010/main" val="0"/>
               </a:ext>
             </a:extLst>
           </a:blip>
@@ -7596,20 +7547,20 @@
     </p:spTree>
     <p:extLst>
       <p:ext uri="{BB962C8B-B14F-4D97-AF65-F5344CB8AC3E}">
-        <p14:creationId xmlns:p14="http://schemas.microsoft.com/office/powerpoint/2010/main" val="2252056321"/>
+        <p14:creationId xmlns="" xmlns:p14="http://schemas.microsoft.com/office/powerpoint/2010/main" val="2252056321"/>
       </p:ext>
     </p:extLst>
   </p:cSld>
   <p:clrMapOvr>
     <a:masterClrMapping/>
   </p:clrMapOvr>
-  <mc:AlternateContent xmlns:mc="http://schemas.openxmlformats.org/markup-compatibility/2006" xmlns:p14="http://schemas.microsoft.com/office/powerpoint/2010/main">
-    <mc:Choice Requires="p14">
+  <mc:AlternateContent xmlns:mc="http://schemas.openxmlformats.org/markup-compatibility/2006">
+    <mc:Choice xmlns="" xmlns:p14="http://schemas.microsoft.com/office/powerpoint/2010/main" Requires="p14">
       <p:transition spd="med" p14:dur="700">
         <p:fade/>
       </p:transition>
     </mc:Choice>
-    <mc:Fallback xmlns="">
+    <mc:Fallback>
       <p:transition spd="med">
         <p:fade/>
       </p:transition>
@@ -7792,7 +7743,7 @@
           <a:blip r:embed="rId2">
             <a:extLst>
               <a:ext uri="{28A0092B-C50C-407E-A947-70E740481C1C}">
-                <a14:useLocalDpi xmlns:a14="http://schemas.microsoft.com/office/drawing/2010/main" val="0"/>
+                <a14:useLocalDpi xmlns="" xmlns:a14="http://schemas.microsoft.com/office/drawing/2010/main" val="0"/>
               </a:ext>
             </a:extLst>
           </a:blip>
@@ -7860,20 +7811,20 @@
     </p:spTree>
     <p:extLst>
       <p:ext uri="{BB962C8B-B14F-4D97-AF65-F5344CB8AC3E}">
-        <p14:creationId xmlns:p14="http://schemas.microsoft.com/office/powerpoint/2010/main" val="3926194005"/>
+        <p14:creationId xmlns="" xmlns:p14="http://schemas.microsoft.com/office/powerpoint/2010/main" val="3926194005"/>
       </p:ext>
     </p:extLst>
   </p:cSld>
   <p:clrMapOvr>
     <a:masterClrMapping/>
   </p:clrMapOvr>
-  <mc:AlternateContent xmlns:mc="http://schemas.openxmlformats.org/markup-compatibility/2006" xmlns:p14="http://schemas.microsoft.com/office/powerpoint/2010/main">
-    <mc:Choice Requires="p14">
+  <mc:AlternateContent xmlns:mc="http://schemas.openxmlformats.org/markup-compatibility/2006">
+    <mc:Choice xmlns="" xmlns:p14="http://schemas.microsoft.com/office/powerpoint/2010/main" Requires="p14">
       <p:transition spd="med" p14:dur="700">
         <p:fade/>
       </p:transition>
     </mc:Choice>
-    <mc:Fallback xmlns="">
+    <mc:Fallback>
       <p:transition spd="med">
         <p:fade/>
       </p:transition>
@@ -7935,7 +7886,7 @@
           <a:blip r:embed="rId2">
             <a:extLst>
               <a:ext uri="{28A0092B-C50C-407E-A947-70E740481C1C}">
-                <a14:useLocalDpi xmlns:a14="http://schemas.microsoft.com/office/drawing/2010/main" val="0"/>
+                <a14:useLocalDpi xmlns="" xmlns:a14="http://schemas.microsoft.com/office/drawing/2010/main" val="0"/>
               </a:ext>
             </a:extLst>
           </a:blip>
@@ -7992,20 +7943,20 @@
     </p:spTree>
     <p:extLst>
       <p:ext uri="{BB962C8B-B14F-4D97-AF65-F5344CB8AC3E}">
-        <p14:creationId xmlns:p14="http://schemas.microsoft.com/office/powerpoint/2010/main" val="3558403954"/>
+        <p14:creationId xmlns="" xmlns:p14="http://schemas.microsoft.com/office/powerpoint/2010/main" val="3558403954"/>
       </p:ext>
     </p:extLst>
   </p:cSld>
   <p:clrMapOvr>
     <a:masterClrMapping/>
   </p:clrMapOvr>
-  <mc:AlternateContent xmlns:mc="http://schemas.openxmlformats.org/markup-compatibility/2006" xmlns:p14="http://schemas.microsoft.com/office/powerpoint/2010/main">
-    <mc:Choice Requires="p14">
+  <mc:AlternateContent xmlns:mc="http://schemas.openxmlformats.org/markup-compatibility/2006">
+    <mc:Choice xmlns="" xmlns:p14="http://schemas.microsoft.com/office/powerpoint/2010/main" Requires="p14">
       <p:transition spd="med" p14:dur="700">
         <p:fade/>
       </p:transition>
     </mc:Choice>
-    <mc:Fallback xmlns="">
+    <mc:Fallback>
       <p:transition spd="med">
         <p:fade/>
       </p:transition>
@@ -8067,7 +8018,7 @@
           <a:blip r:embed="rId2">
             <a:extLst>
               <a:ext uri="{28A0092B-C50C-407E-A947-70E740481C1C}">
-                <a14:useLocalDpi xmlns:a14="http://schemas.microsoft.com/office/drawing/2010/main" val="0"/>
+                <a14:useLocalDpi xmlns="" xmlns:a14="http://schemas.microsoft.com/office/drawing/2010/main" val="0"/>
               </a:ext>
             </a:extLst>
           </a:blip>
@@ -8124,20 +8075,20 @@
     </p:spTree>
     <p:extLst>
       <p:ext uri="{BB962C8B-B14F-4D97-AF65-F5344CB8AC3E}">
-        <p14:creationId xmlns:p14="http://schemas.microsoft.com/office/powerpoint/2010/main" val="3276003601"/>
+        <p14:creationId xmlns="" xmlns:p14="http://schemas.microsoft.com/office/powerpoint/2010/main" val="3276003601"/>
       </p:ext>
     </p:extLst>
   </p:cSld>
   <p:clrMapOvr>
     <a:masterClrMapping/>
   </p:clrMapOvr>
-  <mc:AlternateContent xmlns:mc="http://schemas.openxmlformats.org/markup-compatibility/2006" xmlns:p14="http://schemas.microsoft.com/office/powerpoint/2010/main">
-    <mc:Choice Requires="p14">
+  <mc:AlternateContent xmlns:mc="http://schemas.openxmlformats.org/markup-compatibility/2006">
+    <mc:Choice xmlns="" xmlns:p14="http://schemas.microsoft.com/office/powerpoint/2010/main" Requires="p14">
       <p:transition spd="med" p14:dur="700">
         <p:fade/>
       </p:transition>
     </mc:Choice>
-    <mc:Fallback xmlns="">
+    <mc:Fallback>
       <p:transition spd="med">
         <p:fade/>
       </p:transition>
@@ -8235,7 +8186,7 @@
           <a:blip r:embed="rId2">
             <a:extLst>
               <a:ext uri="{28A0092B-C50C-407E-A947-70E740481C1C}">
-                <a14:useLocalDpi xmlns:a14="http://schemas.microsoft.com/office/drawing/2010/main" val="0"/>
+                <a14:useLocalDpi xmlns="" xmlns:a14="http://schemas.microsoft.com/office/drawing/2010/main" val="0"/>
               </a:ext>
             </a:extLst>
           </a:blip>
@@ -8256,20 +8207,20 @@
     </p:spTree>
     <p:extLst>
       <p:ext uri="{BB962C8B-B14F-4D97-AF65-F5344CB8AC3E}">
-        <p14:creationId xmlns:p14="http://schemas.microsoft.com/office/powerpoint/2010/main" val="1940751105"/>
+        <p14:creationId xmlns="" xmlns:p14="http://schemas.microsoft.com/office/powerpoint/2010/main" val="1940751105"/>
       </p:ext>
     </p:extLst>
   </p:cSld>
   <p:clrMapOvr>
     <a:masterClrMapping/>
   </p:clrMapOvr>
-  <mc:AlternateContent xmlns:mc="http://schemas.openxmlformats.org/markup-compatibility/2006" xmlns:p14="http://schemas.microsoft.com/office/powerpoint/2010/main">
-    <mc:Choice Requires="p14">
+  <mc:AlternateContent xmlns:mc="http://schemas.openxmlformats.org/markup-compatibility/2006">
+    <mc:Choice xmlns="" xmlns:p14="http://schemas.microsoft.com/office/powerpoint/2010/main" Requires="p14">
       <p:transition spd="med" p14:dur="700">
         <p:fade/>
       </p:transition>
     </mc:Choice>
-    <mc:Fallback xmlns="">
+    <mc:Fallback>
       <p:transition spd="med">
         <p:fade/>
       </p:transition>
@@ -8361,20 +8312,20 @@
     </p:spTree>
     <p:extLst>
       <p:ext uri="{BB962C8B-B14F-4D97-AF65-F5344CB8AC3E}">
-        <p14:creationId xmlns:p14="http://schemas.microsoft.com/office/powerpoint/2010/main" val="440520880"/>
+        <p14:creationId xmlns="" xmlns:p14="http://schemas.microsoft.com/office/powerpoint/2010/main" val="440520880"/>
       </p:ext>
     </p:extLst>
   </p:cSld>
   <p:clrMapOvr>
     <a:masterClrMapping/>
   </p:clrMapOvr>
-  <mc:AlternateContent xmlns:mc="http://schemas.openxmlformats.org/markup-compatibility/2006" xmlns:p14="http://schemas.microsoft.com/office/powerpoint/2010/main">
-    <mc:Choice Requires="p14">
+  <mc:AlternateContent xmlns:mc="http://schemas.openxmlformats.org/markup-compatibility/2006">
+    <mc:Choice xmlns="" xmlns:p14="http://schemas.microsoft.com/office/powerpoint/2010/main" Requires="p14">
       <p:transition spd="med" p14:dur="700">
         <p:fade/>
       </p:transition>
     </mc:Choice>
-    <mc:Fallback xmlns="">
+    <mc:Fallback>
       <p:transition spd="med">
         <p:fade/>
       </p:transition>
@@ -8571,7 +8522,7 @@
           <a:blip r:embed="rId2">
             <a:extLst>
               <a:ext uri="{28A0092B-C50C-407E-A947-70E740481C1C}">
-                <a14:useLocalDpi xmlns:a14="http://schemas.microsoft.com/office/drawing/2010/main" val="0"/>
+                <a14:useLocalDpi xmlns="" xmlns:a14="http://schemas.microsoft.com/office/drawing/2010/main" val="0"/>
               </a:ext>
             </a:extLst>
           </a:blip>
@@ -8592,20 +8543,20 @@
     </p:spTree>
     <p:extLst>
       <p:ext uri="{BB962C8B-B14F-4D97-AF65-F5344CB8AC3E}">
-        <p14:creationId xmlns:p14="http://schemas.microsoft.com/office/powerpoint/2010/main" val="3438669179"/>
+        <p14:creationId xmlns="" xmlns:p14="http://schemas.microsoft.com/office/powerpoint/2010/main" val="3438669179"/>
       </p:ext>
     </p:extLst>
   </p:cSld>
   <p:clrMapOvr>
     <a:masterClrMapping/>
   </p:clrMapOvr>
-  <mc:AlternateContent xmlns:mc="http://schemas.openxmlformats.org/markup-compatibility/2006" xmlns:p14="http://schemas.microsoft.com/office/powerpoint/2010/main">
-    <mc:Choice Requires="p14">
+  <mc:AlternateContent xmlns:mc="http://schemas.openxmlformats.org/markup-compatibility/2006">
+    <mc:Choice xmlns="" xmlns:p14="http://schemas.microsoft.com/office/powerpoint/2010/main" Requires="p14">
       <p:transition spd="med" p14:dur="700">
         <p:fade/>
       </p:transition>
     </mc:Choice>
-    <mc:Fallback xmlns="">
+    <mc:Fallback>
       <p:transition spd="med">
         <p:fade/>
       </p:transition>
@@ -8845,7 +8796,7 @@
           <a:blip r:embed="rId2">
             <a:extLst>
               <a:ext uri="{28A0092B-C50C-407E-A947-70E740481C1C}">
-                <a14:useLocalDpi xmlns:a14="http://schemas.microsoft.com/office/drawing/2010/main" val="0"/>
+                <a14:useLocalDpi xmlns="" xmlns:a14="http://schemas.microsoft.com/office/drawing/2010/main" val="0"/>
               </a:ext>
             </a:extLst>
           </a:blip>
@@ -8866,20 +8817,20 @@
     </p:spTree>
     <p:extLst>
       <p:ext uri="{BB962C8B-B14F-4D97-AF65-F5344CB8AC3E}">
-        <p14:creationId xmlns:p14="http://schemas.microsoft.com/office/powerpoint/2010/main" val="444838216"/>
+        <p14:creationId xmlns="" xmlns:p14="http://schemas.microsoft.com/office/powerpoint/2010/main" val="444838216"/>
       </p:ext>
     </p:extLst>
   </p:cSld>
   <p:clrMapOvr>
     <a:masterClrMapping/>
   </p:clrMapOvr>
-  <mc:AlternateContent xmlns:mc="http://schemas.openxmlformats.org/markup-compatibility/2006" xmlns:p14="http://schemas.microsoft.com/office/powerpoint/2010/main">
-    <mc:Choice Requires="p14">
+  <mc:AlternateContent xmlns:mc="http://schemas.openxmlformats.org/markup-compatibility/2006">
+    <mc:Choice xmlns="" xmlns:p14="http://schemas.microsoft.com/office/powerpoint/2010/main" Requires="p14">
       <p:transition spd="med" p14:dur="700">
         <p:fade/>
       </p:transition>
     </mc:Choice>
-    <mc:Fallback xmlns="">
+    <mc:Fallback>
       <p:transition spd="med">
         <p:fade/>
       </p:transition>
@@ -8907,7 +8858,7 @@
       </p:grpSpPr>
       <p:sp>
         <p:nvSpPr>
-          <p:cNvPr id="2" name="Title 1" title="Title and Content Layout with Chart"/>
+          <p:cNvPr id="5" name="Title 4"/>
           <p:cNvSpPr>
             <a:spLocks noGrp="1"/>
           </p:cNvSpPr>
@@ -8917,243 +8868,87 @@
         </p:nvSpPr>
         <p:spPr>
           <a:xfrm>
-            <a:off x="990600" y="838200"/>
-            <a:ext cx="7313295" cy="723900"/>
-          </a:xfrm>
-        </p:spPr>
-        <p:txBody>
-          <a:bodyPr>
-            <a:normAutofit/>
-          </a:bodyPr>
-          <a:lstStyle/>
-          <a:p>
-            <a:pPr algn="ctr"/>
-            <a:r>
-              <a:rPr lang="en-US" sz="3200" dirty="0">
-                <a:latin typeface="Arial" panose="020B0604020202020204" pitchFamily="34" charset="0"/>
-                <a:cs typeface="Arial" panose="020B0604020202020204" pitchFamily="34" charset="0"/>
+            <a:off x="581192" y="687475"/>
+            <a:ext cx="7989752" cy="836526"/>
+          </a:xfrm>
+        </p:spPr>
+        <p:txBody>
+          <a:bodyPr/>
+          <a:lstStyle/>
+          <a:p>
+            <a:r>
+              <a:rPr lang="en-US" dirty="0" smtClean="0"/>
+              <a:t>Subsystems</a:t>
+            </a:r>
+            <a:endParaRPr lang="en-US" dirty="0"/>
+          </a:p>
+        </p:txBody>
+      </p:sp>
+      <p:sp>
+        <p:nvSpPr>
+          <p:cNvPr id="6" name="Content Placeholder 5"/>
+          <p:cNvSpPr>
+            <a:spLocks noGrp="1"/>
+          </p:cNvSpPr>
+          <p:nvPr>
+            <p:ph idx="1"/>
+          </p:nvPr>
+        </p:nvSpPr>
+        <p:spPr/>
+        <p:txBody>
+          <a:bodyPr/>
+          <a:lstStyle/>
+          <a:p>
+            <a:r>
+              <a:rPr lang="en-US" dirty="0" smtClean="0">
+                <a:latin typeface="Arial" pitchFamily="34" charset="0"/>
+                <a:cs typeface="Arial" pitchFamily="34" charset="0"/>
               </a:rPr>
-              <a:t>Subsystems</a:t>
-            </a:r>
-          </a:p>
-        </p:txBody>
-      </p:sp>
-      <p:graphicFrame>
-        <p:nvGraphicFramePr>
-          <p:cNvPr id="8" name="Content Placeholder 7"/>
-          <p:cNvGraphicFramePr>
-            <a:graphicFrameLocks noGrp="1"/>
-          </p:cNvGraphicFramePr>
-          <p:nvPr>
-            <p:ph idx="1"/>
-            <p:extLst>
-              <p:ext uri="{D42A27DB-BD31-4B8C-83A1-F6EECF244321}">
-                <p14:modId xmlns:p14="http://schemas.microsoft.com/office/powerpoint/2010/main" val="660959371"/>
-              </p:ext>
-            </p:extLst>
-          </p:nvPr>
-        </p:nvGraphicFramePr>
-        <p:xfrm>
-          <a:off x="1219200" y="2514985"/>
-          <a:ext cx="6858000" cy="3471202"/>
-        </p:xfrm>
-        <a:graphic>
-          <a:graphicData uri="http://schemas.openxmlformats.org/drawingml/2006/table">
-            <a:tbl>
-              <a:tblPr firstRow="1" bandRow="1">
-                <a:tableStyleId>{5C22544A-7EE6-4342-B048-85BDC9FD1C3A}</a:tableStyleId>
-              </a:tblPr>
-              <a:tblGrid>
-                <a:gridCol w="6858000"/>
-              </a:tblGrid>
-              <a:tr h="619352">
-                <a:tc>
-                  <a:txBody>
-                    <a:bodyPr/>
-                    <a:lstStyle/>
-                    <a:p>
-                      <a:pPr algn="ctr">
-                        <a:buFont typeface="Wingdings" panose="05000000000000000000" pitchFamily="2" charset="2"/>
-                        <a:buNone/>
-                      </a:pPr>
-                      <a:r>
-                        <a:rPr lang="en-US" sz="1500" dirty="0" smtClean="0">
-                          <a:latin typeface="Arial" panose="020B0604020202020204" pitchFamily="34" charset="0"/>
-                          <a:cs typeface="Arial" panose="020B0604020202020204" pitchFamily="34" charset="0"/>
-                        </a:rPr>
-                        <a:t>Subsystems</a:t>
-                      </a:r>
-                    </a:p>
-                  </a:txBody>
-                  <a:tcPr marL="68580" marR="68580" marT="34290" marB="34290"/>
-                </a:tc>
-              </a:tr>
-              <a:tr h="619352">
-                <a:tc>
-                  <a:txBody>
-                    <a:bodyPr/>
-                    <a:lstStyle/>
-                    <a:p>
-                      <a:pPr algn="l">
-                        <a:buFont typeface="Wingdings" panose="05000000000000000000" pitchFamily="2" charset="2"/>
-                        <a:buNone/>
-                      </a:pPr>
-                      <a:r>
-                        <a:rPr lang="en-US" sz="1500" dirty="0" smtClean="0">
-                          <a:latin typeface="Arial" panose="020B0604020202020204" pitchFamily="34" charset="0"/>
-                          <a:cs typeface="Arial" panose="020B0604020202020204" pitchFamily="34" charset="0"/>
-                        </a:rPr>
-                        <a:t>1. Database Management</a:t>
-                      </a:r>
-                    </a:p>
-                  </a:txBody>
-                  <a:tcPr marL="68580" marR="68580" marT="34290" marB="34290"/>
-                </a:tc>
-              </a:tr>
-              <a:tr h="619352">
-                <a:tc>
-                  <a:txBody>
-                    <a:bodyPr/>
-                    <a:lstStyle/>
-                    <a:p>
-                      <a:pPr marL="0" marR="0" indent="0" algn="l" defTabSz="457063" rtl="0" eaLnBrk="1" fontAlgn="auto" latinLnBrk="0" hangingPunct="1">
-                        <a:lnSpc>
-                          <a:spcPct val="100000"/>
-                        </a:lnSpc>
-                        <a:spcBef>
-                          <a:spcPts val="0"/>
-                        </a:spcBef>
-                        <a:spcAft>
-                          <a:spcPts val="0"/>
-                        </a:spcAft>
-                        <a:buClrTx/>
-                        <a:buSzTx/>
-                        <a:buFontTx/>
-                        <a:buNone/>
-                        <a:tabLst/>
-                        <a:defRPr/>
-                      </a:pPr>
-                      <a:r>
-                        <a:rPr lang="en-US" sz="1500" dirty="0" smtClean="0">
-                          <a:latin typeface="Arial" panose="020B0604020202020204" pitchFamily="34" charset="0"/>
-                          <a:cs typeface="Arial" panose="020B0604020202020204" pitchFamily="34" charset="0"/>
-                        </a:rPr>
-                        <a:t>2. Search Management</a:t>
-                      </a:r>
-                    </a:p>
-                  </a:txBody>
-                  <a:tcPr marL="68580" marR="68580" marT="34290" marB="34290"/>
-                </a:tc>
-              </a:tr>
-              <a:tr h="619352">
-                <a:tc>
-                  <a:txBody>
-                    <a:bodyPr/>
-                    <a:lstStyle/>
-                    <a:p>
-                      <a:pPr marL="0" marR="0" indent="0" algn="l" defTabSz="457063" rtl="0" eaLnBrk="1" fontAlgn="auto" latinLnBrk="0" hangingPunct="1">
-                        <a:lnSpc>
-                          <a:spcPct val="100000"/>
-                        </a:lnSpc>
-                        <a:spcBef>
-                          <a:spcPts val="0"/>
-                        </a:spcBef>
-                        <a:spcAft>
-                          <a:spcPts val="0"/>
-                        </a:spcAft>
-                        <a:buClrTx/>
-                        <a:buSzTx/>
-                        <a:buFontTx/>
-                        <a:buNone/>
-                        <a:tabLst/>
-                        <a:defRPr/>
-                      </a:pPr>
-                      <a:r>
-                        <a:rPr lang="en-US" sz="1500" dirty="0" smtClean="0">
-                          <a:latin typeface="Arial" panose="020B0604020202020204" pitchFamily="34" charset="0"/>
-                          <a:cs typeface="Arial" panose="020B0604020202020204" pitchFamily="34" charset="0"/>
-                        </a:rPr>
-                        <a:t>3. Meeting Management</a:t>
-                      </a:r>
-                    </a:p>
-                  </a:txBody>
-                  <a:tcPr marL="68580" marR="68580" marT="34290" marB="34290"/>
-                </a:tc>
-              </a:tr>
-              <a:tr h="634924">
-                <a:tc>
-                  <a:txBody>
-                    <a:bodyPr/>
-                    <a:lstStyle/>
-                    <a:p>
-                      <a:pPr marL="0" marR="0" indent="0" algn="l" defTabSz="914400" rtl="0" eaLnBrk="1" fontAlgn="auto" latinLnBrk="0" hangingPunct="1">
-                        <a:lnSpc>
-                          <a:spcPct val="100000"/>
-                        </a:lnSpc>
-                        <a:spcBef>
-                          <a:spcPts val="0"/>
-                        </a:spcBef>
-                        <a:spcAft>
-                          <a:spcPts val="0"/>
-                        </a:spcAft>
-                        <a:buClrTx/>
-                        <a:buSzTx/>
-                        <a:buFontTx/>
-                        <a:buNone/>
-                        <a:tabLst/>
-                        <a:defRPr/>
-                      </a:pPr>
-                      <a:r>
-                        <a:rPr lang="en-US" sz="1500" dirty="0" smtClean="0">
-                          <a:latin typeface="Arial" panose="020B0604020202020204" pitchFamily="34" charset="0"/>
-                          <a:cs typeface="Arial" panose="020B0604020202020204" pitchFamily="34" charset="0"/>
-                        </a:rPr>
-                        <a:t>4. Notification Management</a:t>
-                      </a:r>
-                    </a:p>
-                  </a:txBody>
-                  <a:tcPr marL="68580" marR="68580" marT="34290" marB="34290"/>
-                </a:tc>
-              </a:tr>
-              <a:tr h="358870">
-                <a:tc>
-                  <a:txBody>
-                    <a:bodyPr/>
-                    <a:lstStyle/>
-                    <a:p>
-                      <a:pPr marL="0" marR="0" indent="0" algn="l" defTabSz="914400" rtl="0" eaLnBrk="1" fontAlgn="auto" latinLnBrk="0" hangingPunct="1">
-                        <a:lnSpc>
-                          <a:spcPct val="100000"/>
-                        </a:lnSpc>
-                        <a:spcBef>
-                          <a:spcPts val="0"/>
-                        </a:spcBef>
-                        <a:spcAft>
-                          <a:spcPts val="0"/>
-                        </a:spcAft>
-                        <a:buClrTx/>
-                        <a:buSzTx/>
-                        <a:buFontTx/>
-                        <a:buNone/>
-                        <a:tabLst/>
-                        <a:defRPr/>
-                      </a:pPr>
-                      <a:r>
-                        <a:rPr lang="en-US" sz="1500" dirty="0" smtClean="0">
-                          <a:latin typeface="Arial" panose="020B0604020202020204" pitchFamily="34" charset="0"/>
-                          <a:cs typeface="Arial" panose="020B0604020202020204" pitchFamily="34" charset="0"/>
-                        </a:rPr>
-                        <a:t>5. Automated Requisition Form Verification</a:t>
-                      </a:r>
-                    </a:p>
-                  </a:txBody>
-                  <a:tcPr marL="68580" marR="68580" marT="34290" marB="34290"/>
-                </a:tc>
-              </a:tr>
-            </a:tbl>
-          </a:graphicData>
-        </a:graphic>
-      </p:graphicFrame>
+              <a:t>Database  Management</a:t>
+            </a:r>
+          </a:p>
+          <a:p>
+            <a:r>
+              <a:rPr lang="en-US" dirty="0" smtClean="0">
+                <a:latin typeface="Arial" pitchFamily="34" charset="0"/>
+                <a:cs typeface="Arial" pitchFamily="34" charset="0"/>
+              </a:rPr>
+              <a:t>Search Management</a:t>
+            </a:r>
+          </a:p>
+          <a:p>
+            <a:r>
+              <a:rPr lang="en-US" dirty="0" smtClean="0">
+                <a:latin typeface="Arial" pitchFamily="34" charset="0"/>
+                <a:cs typeface="Arial" pitchFamily="34" charset="0"/>
+              </a:rPr>
+              <a:t>Meeting Management</a:t>
+            </a:r>
+          </a:p>
+          <a:p>
+            <a:r>
+              <a:rPr lang="en-US" dirty="0" smtClean="0">
+                <a:latin typeface="Arial" pitchFamily="34" charset="0"/>
+                <a:cs typeface="Arial" pitchFamily="34" charset="0"/>
+              </a:rPr>
+              <a:t>Notification Management</a:t>
+            </a:r>
+          </a:p>
+          <a:p>
+            <a:r>
+              <a:rPr lang="en-US" dirty="0" smtClean="0">
+                <a:latin typeface="Arial" pitchFamily="34" charset="0"/>
+                <a:cs typeface="Arial" pitchFamily="34" charset="0"/>
+              </a:rPr>
+              <a:t>Automated Requisition Form Verification </a:t>
+            </a:r>
+            <a:endParaRPr lang="en-US" dirty="0">
+              <a:latin typeface="Arial" pitchFamily="34" charset="0"/>
+              <a:cs typeface="Arial" pitchFamily="34" charset="0"/>
+            </a:endParaRPr>
+          </a:p>
+        </p:txBody>
+      </p:sp>
       <p:sp>
         <p:nvSpPr>
           <p:cNvPr id="4" name="Slide Number Placeholder 3"/>
@@ -9170,51 +8965,31 @@
           <a:lstStyle/>
           <a:p>
             <a:fld id="{DF28FB93-0A08-4E7D-8E63-9EFA29F1E093}" type="slidenum">
-              <a:rPr lang="en-US" smtClean="0">
-                <a:solidFill>
-                  <a:srgbClr val="903163"/>
-                </a:solidFill>
-              </a:rPr>
+              <a:rPr lang="en-US" smtClean="0"/>
               <a:pPr/>
               <a:t>3</a:t>
             </a:fld>
-            <a:endParaRPr lang="en-US" dirty="0">
-              <a:solidFill>
-                <a:srgbClr val="903163"/>
-              </a:solidFill>
-            </a:endParaRPr>
+            <a:endParaRPr lang="en-US" dirty="0"/>
           </a:p>
         </p:txBody>
       </p:sp>
     </p:spTree>
-    <p:extLst>
-      <p:ext uri="{BB962C8B-B14F-4D97-AF65-F5344CB8AC3E}">
-        <p14:creationId xmlns:p14="http://schemas.microsoft.com/office/powerpoint/2010/main" val="117862236"/>
-      </p:ext>
-    </p:extLst>
   </p:cSld>
   <p:clrMapOvr>
     <a:masterClrMapping/>
   </p:clrMapOvr>
-  <mc:AlternateContent xmlns:mc="http://schemas.openxmlformats.org/markup-compatibility/2006" xmlns:p14="http://schemas.microsoft.com/office/powerpoint/2010/main">
-    <mc:Choice Requires="p14">
+  <mc:AlternateContent xmlns:mc="http://schemas.openxmlformats.org/markup-compatibility/2006">
+    <mc:Choice xmlns="" xmlns:p14="http://schemas.microsoft.com/office/powerpoint/2010/main" Requires="p14">
       <p:transition spd="med" p14:dur="700">
         <p:fade/>
       </p:transition>
     </mc:Choice>
-    <mc:Fallback xmlns="">
+    <mc:Fallback>
       <p:transition spd="med">
         <p:fade/>
       </p:transition>
     </mc:Fallback>
   </mc:AlternateContent>
-  <p:timing>
-    <p:tnLst>
-      <p:par>
-        <p:cTn id="1" dur="indefinite" restart="never" nodeType="tmRoot"/>
-      </p:par>
-    </p:tnLst>
-  </p:timing>
 </p:sld>
 </file>
 
@@ -9418,7 +9193,7 @@
           <a:blip r:embed="rId2">
             <a:extLst>
               <a:ext uri="{28A0092B-C50C-407E-A947-70E740481C1C}">
-                <a14:useLocalDpi xmlns:a14="http://schemas.microsoft.com/office/drawing/2010/main" val="0"/>
+                <a14:useLocalDpi xmlns="" xmlns:a14="http://schemas.microsoft.com/office/drawing/2010/main" val="0"/>
               </a:ext>
             </a:extLst>
           </a:blip>
@@ -9439,20 +9214,20 @@
     </p:spTree>
     <p:extLst>
       <p:ext uri="{BB962C8B-B14F-4D97-AF65-F5344CB8AC3E}">
-        <p14:creationId xmlns:p14="http://schemas.microsoft.com/office/powerpoint/2010/main" val="4415386"/>
+        <p14:creationId xmlns="" xmlns:p14="http://schemas.microsoft.com/office/powerpoint/2010/main" val="4415386"/>
       </p:ext>
     </p:extLst>
   </p:cSld>
   <p:clrMapOvr>
     <a:masterClrMapping/>
   </p:clrMapOvr>
-  <mc:AlternateContent xmlns:mc="http://schemas.openxmlformats.org/markup-compatibility/2006" xmlns:p14="http://schemas.microsoft.com/office/powerpoint/2010/main">
-    <mc:Choice Requires="p14">
+  <mc:AlternateContent xmlns:mc="http://schemas.openxmlformats.org/markup-compatibility/2006">
+    <mc:Choice xmlns="" xmlns:p14="http://schemas.microsoft.com/office/powerpoint/2010/main" Requires="p14">
       <p:transition spd="med" p14:dur="700">
         <p:fade/>
       </p:transition>
     </mc:Choice>
-    <mc:Fallback xmlns="">
+    <mc:Fallback>
       <p:transition spd="med">
         <p:fade/>
       </p:transition>
@@ -9652,7 +9427,7 @@
           <a:blip r:embed="rId2">
             <a:extLst>
               <a:ext uri="{28A0092B-C50C-407E-A947-70E740481C1C}">
-                <a14:useLocalDpi xmlns:a14="http://schemas.microsoft.com/office/drawing/2010/main" val="0"/>
+                <a14:useLocalDpi xmlns="" xmlns:a14="http://schemas.microsoft.com/office/drawing/2010/main" val="0"/>
               </a:ext>
             </a:extLst>
           </a:blip>
@@ -9673,20 +9448,20 @@
     </p:spTree>
     <p:extLst>
       <p:ext uri="{BB962C8B-B14F-4D97-AF65-F5344CB8AC3E}">
-        <p14:creationId xmlns:p14="http://schemas.microsoft.com/office/powerpoint/2010/main" val="268979003"/>
+        <p14:creationId xmlns="" xmlns:p14="http://schemas.microsoft.com/office/powerpoint/2010/main" val="268979003"/>
       </p:ext>
     </p:extLst>
   </p:cSld>
   <p:clrMapOvr>
     <a:masterClrMapping/>
   </p:clrMapOvr>
-  <mc:AlternateContent xmlns:mc="http://schemas.openxmlformats.org/markup-compatibility/2006" xmlns:p14="http://schemas.microsoft.com/office/powerpoint/2010/main">
-    <mc:Choice Requires="p14">
+  <mc:AlternateContent xmlns:mc="http://schemas.openxmlformats.org/markup-compatibility/2006">
+    <mc:Choice xmlns="" xmlns:p14="http://schemas.microsoft.com/office/powerpoint/2010/main" Requires="p14">
       <p:transition spd="med" p14:dur="700">
         <p:fade/>
       </p:transition>
     </mc:Choice>
-    <mc:Fallback xmlns="">
+    <mc:Fallback>
       <p:transition spd="med">
         <p:fade/>
       </p:transition>
@@ -9886,7 +9661,7 @@
           <a:blip r:embed="rId2">
             <a:extLst>
               <a:ext uri="{28A0092B-C50C-407E-A947-70E740481C1C}">
-                <a14:useLocalDpi xmlns:a14="http://schemas.microsoft.com/office/drawing/2010/main" val="0"/>
+                <a14:useLocalDpi xmlns="" xmlns:a14="http://schemas.microsoft.com/office/drawing/2010/main" val="0"/>
               </a:ext>
             </a:extLst>
           </a:blip>
@@ -9907,20 +9682,20 @@
     </p:spTree>
     <p:extLst>
       <p:ext uri="{BB962C8B-B14F-4D97-AF65-F5344CB8AC3E}">
-        <p14:creationId xmlns:p14="http://schemas.microsoft.com/office/powerpoint/2010/main" val="2065079307"/>
+        <p14:creationId xmlns="" xmlns:p14="http://schemas.microsoft.com/office/powerpoint/2010/main" val="2065079307"/>
       </p:ext>
     </p:extLst>
   </p:cSld>
   <p:clrMapOvr>
     <a:masterClrMapping/>
   </p:clrMapOvr>
-  <mc:AlternateContent xmlns:mc="http://schemas.openxmlformats.org/markup-compatibility/2006" xmlns:p14="http://schemas.microsoft.com/office/powerpoint/2010/main">
-    <mc:Choice Requires="p14">
+  <mc:AlternateContent xmlns:mc="http://schemas.openxmlformats.org/markup-compatibility/2006">
+    <mc:Choice xmlns="" xmlns:p14="http://schemas.microsoft.com/office/powerpoint/2010/main" Requires="p14">
       <p:transition spd="med" p14:dur="700">
         <p:fade/>
       </p:transition>
     </mc:Choice>
-    <mc:Fallback xmlns="">
+    <mc:Fallback>
       <p:transition spd="med">
         <p:fade/>
       </p:transition>
@@ -10140,7 +9915,7 @@
           <a:blip r:embed="rId2">
             <a:extLst>
               <a:ext uri="{28A0092B-C50C-407E-A947-70E740481C1C}">
-                <a14:useLocalDpi xmlns:a14="http://schemas.microsoft.com/office/drawing/2010/main" val="0"/>
+                <a14:useLocalDpi xmlns="" xmlns:a14="http://schemas.microsoft.com/office/drawing/2010/main" val="0"/>
               </a:ext>
             </a:extLst>
           </a:blip>
@@ -10161,20 +9936,20 @@
     </p:spTree>
     <p:extLst>
       <p:ext uri="{BB962C8B-B14F-4D97-AF65-F5344CB8AC3E}">
-        <p14:creationId xmlns:p14="http://schemas.microsoft.com/office/powerpoint/2010/main" val="177080052"/>
+        <p14:creationId xmlns="" xmlns:p14="http://schemas.microsoft.com/office/powerpoint/2010/main" val="177080052"/>
       </p:ext>
     </p:extLst>
   </p:cSld>
   <p:clrMapOvr>
     <a:masterClrMapping/>
   </p:clrMapOvr>
-  <mc:AlternateContent xmlns:mc="http://schemas.openxmlformats.org/markup-compatibility/2006" xmlns:p14="http://schemas.microsoft.com/office/powerpoint/2010/main">
-    <mc:Choice Requires="p14">
+  <mc:AlternateContent xmlns:mc="http://schemas.openxmlformats.org/markup-compatibility/2006">
+    <mc:Choice xmlns="" xmlns:p14="http://schemas.microsoft.com/office/powerpoint/2010/main" Requires="p14">
       <p:transition spd="med" p14:dur="700">
         <p:fade/>
       </p:transition>
     </mc:Choice>
-    <mc:Fallback xmlns="">
+    <mc:Fallback>
       <p:transition spd="med">
         <p:fade/>
       </p:transition>
@@ -10374,7 +10149,7 @@
           <a:blip r:embed="rId2">
             <a:extLst>
               <a:ext uri="{28A0092B-C50C-407E-A947-70E740481C1C}">
-                <a14:useLocalDpi xmlns:a14="http://schemas.microsoft.com/office/drawing/2010/main" val="0"/>
+                <a14:useLocalDpi xmlns="" xmlns:a14="http://schemas.microsoft.com/office/drawing/2010/main" val="0"/>
               </a:ext>
             </a:extLst>
           </a:blip>
@@ -10395,20 +10170,20 @@
     </p:spTree>
     <p:extLst>
       <p:ext uri="{BB962C8B-B14F-4D97-AF65-F5344CB8AC3E}">
-        <p14:creationId xmlns:p14="http://schemas.microsoft.com/office/powerpoint/2010/main" val="404017665"/>
+        <p14:creationId xmlns="" xmlns:p14="http://schemas.microsoft.com/office/powerpoint/2010/main" val="404017665"/>
       </p:ext>
     </p:extLst>
   </p:cSld>
   <p:clrMapOvr>
     <a:masterClrMapping/>
   </p:clrMapOvr>
-  <mc:AlternateContent xmlns:mc="http://schemas.openxmlformats.org/markup-compatibility/2006" xmlns:p14="http://schemas.microsoft.com/office/powerpoint/2010/main">
-    <mc:Choice Requires="p14">
+  <mc:AlternateContent xmlns:mc="http://schemas.openxmlformats.org/markup-compatibility/2006">
+    <mc:Choice xmlns="" xmlns:p14="http://schemas.microsoft.com/office/powerpoint/2010/main" Requires="p14">
       <p:transition spd="med" p14:dur="700">
         <p:fade/>
       </p:transition>
     </mc:Choice>
-    <mc:Fallback xmlns="">
+    <mc:Fallback>
       <p:transition spd="med">
         <p:fade/>
       </p:transition>
@@ -10608,7 +10383,7 @@
           <a:blip r:embed="rId2">
             <a:extLst>
               <a:ext uri="{28A0092B-C50C-407E-A947-70E740481C1C}">
-                <a14:useLocalDpi xmlns:a14="http://schemas.microsoft.com/office/drawing/2010/main" val="0"/>
+                <a14:useLocalDpi xmlns="" xmlns:a14="http://schemas.microsoft.com/office/drawing/2010/main" val="0"/>
               </a:ext>
             </a:extLst>
           </a:blip>
@@ -10629,20 +10404,20 @@
     </p:spTree>
     <p:extLst>
       <p:ext uri="{BB962C8B-B14F-4D97-AF65-F5344CB8AC3E}">
-        <p14:creationId xmlns:p14="http://schemas.microsoft.com/office/powerpoint/2010/main" val="947005971"/>
+        <p14:creationId xmlns="" xmlns:p14="http://schemas.microsoft.com/office/powerpoint/2010/main" val="947005971"/>
       </p:ext>
     </p:extLst>
   </p:cSld>
   <p:clrMapOvr>
     <a:masterClrMapping/>
   </p:clrMapOvr>
-  <mc:AlternateContent xmlns:mc="http://schemas.openxmlformats.org/markup-compatibility/2006" xmlns:p14="http://schemas.microsoft.com/office/powerpoint/2010/main">
-    <mc:Choice Requires="p14">
+  <mc:AlternateContent xmlns:mc="http://schemas.openxmlformats.org/markup-compatibility/2006">
+    <mc:Choice xmlns="" xmlns:p14="http://schemas.microsoft.com/office/powerpoint/2010/main" Requires="p14">
       <p:transition spd="med" p14:dur="700">
         <p:fade/>
       </p:transition>
     </mc:Choice>
-    <mc:Fallback xmlns="">
+    <mc:Fallback>
       <p:transition spd="med">
         <p:fade/>
       </p:transition>
@@ -10740,7 +10515,7 @@
           <a:blip r:embed="rId2">
             <a:extLst>
               <a:ext uri="{28A0092B-C50C-407E-A947-70E740481C1C}">
-                <a14:useLocalDpi xmlns:a14="http://schemas.microsoft.com/office/drawing/2010/main" val="0"/>
+                <a14:useLocalDpi xmlns="" xmlns:a14="http://schemas.microsoft.com/office/drawing/2010/main" val="0"/>
               </a:ext>
             </a:extLst>
           </a:blip>
@@ -10761,20 +10536,20 @@
     </p:spTree>
     <p:extLst>
       <p:ext uri="{BB962C8B-B14F-4D97-AF65-F5344CB8AC3E}">
-        <p14:creationId xmlns:p14="http://schemas.microsoft.com/office/powerpoint/2010/main" val="684910677"/>
+        <p14:creationId xmlns="" xmlns:p14="http://schemas.microsoft.com/office/powerpoint/2010/main" val="684910677"/>
       </p:ext>
     </p:extLst>
   </p:cSld>
   <p:clrMapOvr>
     <a:masterClrMapping/>
   </p:clrMapOvr>
-  <mc:AlternateContent xmlns:mc="http://schemas.openxmlformats.org/markup-compatibility/2006" xmlns:p14="http://schemas.microsoft.com/office/powerpoint/2010/main">
-    <mc:Choice Requires="p14">
+  <mc:AlternateContent xmlns:mc="http://schemas.openxmlformats.org/markup-compatibility/2006">
+    <mc:Choice xmlns="" xmlns:p14="http://schemas.microsoft.com/office/powerpoint/2010/main" Requires="p14">
       <p:transition spd="med" p14:dur="700">
         <p:fade/>
       </p:transition>
     </mc:Choice>
-    <mc:Fallback xmlns="">
+    <mc:Fallback>
       <p:transition spd="med">
         <p:fade/>
       </p:transition>
@@ -10836,7 +10611,7 @@
           <a:blip r:embed="rId2">
             <a:extLst>
               <a:ext uri="{28A0092B-C50C-407E-A947-70E740481C1C}">
-                <a14:useLocalDpi xmlns:a14="http://schemas.microsoft.com/office/drawing/2010/main" val="0"/>
+                <a14:useLocalDpi xmlns="" xmlns:a14="http://schemas.microsoft.com/office/drawing/2010/main" val="0"/>
               </a:ext>
             </a:extLst>
           </a:blip>
@@ -10893,20 +10668,20 @@
     </p:spTree>
     <p:extLst>
       <p:ext uri="{BB962C8B-B14F-4D97-AF65-F5344CB8AC3E}">
-        <p14:creationId xmlns:p14="http://schemas.microsoft.com/office/powerpoint/2010/main" val="2715237351"/>
+        <p14:creationId xmlns="" xmlns:p14="http://schemas.microsoft.com/office/powerpoint/2010/main" val="2715237351"/>
       </p:ext>
     </p:extLst>
   </p:cSld>
   <p:clrMapOvr>
     <a:masterClrMapping/>
   </p:clrMapOvr>
-  <mc:AlternateContent xmlns:mc="http://schemas.openxmlformats.org/markup-compatibility/2006" xmlns:p14="http://schemas.microsoft.com/office/powerpoint/2010/main">
-    <mc:Choice Requires="p14">
+  <mc:AlternateContent xmlns:mc="http://schemas.openxmlformats.org/markup-compatibility/2006">
+    <mc:Choice xmlns="" xmlns:p14="http://schemas.microsoft.com/office/powerpoint/2010/main" Requires="p14">
       <p:transition spd="med" p14:dur="700">
         <p:fade/>
       </p:transition>
     </mc:Choice>
-    <mc:Fallback xmlns="">
+    <mc:Fallback>
       <p:transition spd="med">
         <p:fade/>
       </p:transition>
@@ -10968,7 +10743,7 @@
           <a:blip r:embed="rId2">
             <a:extLst>
               <a:ext uri="{28A0092B-C50C-407E-A947-70E740481C1C}">
-                <a14:useLocalDpi xmlns:a14="http://schemas.microsoft.com/office/drawing/2010/main" val="0"/>
+                <a14:useLocalDpi xmlns="" xmlns:a14="http://schemas.microsoft.com/office/drawing/2010/main" val="0"/>
               </a:ext>
             </a:extLst>
           </a:blip>
@@ -11025,20 +10800,20 @@
     </p:spTree>
     <p:extLst>
       <p:ext uri="{BB962C8B-B14F-4D97-AF65-F5344CB8AC3E}">
-        <p14:creationId xmlns:p14="http://schemas.microsoft.com/office/powerpoint/2010/main" val="1650051206"/>
+        <p14:creationId xmlns="" xmlns:p14="http://schemas.microsoft.com/office/powerpoint/2010/main" val="1650051206"/>
       </p:ext>
     </p:extLst>
   </p:cSld>
   <p:clrMapOvr>
     <a:masterClrMapping/>
   </p:clrMapOvr>
-  <mc:AlternateContent xmlns:mc="http://schemas.openxmlformats.org/markup-compatibility/2006" xmlns:p14="http://schemas.microsoft.com/office/powerpoint/2010/main">
-    <mc:Choice Requires="p14">
+  <mc:AlternateContent xmlns:mc="http://schemas.openxmlformats.org/markup-compatibility/2006">
+    <mc:Choice xmlns="" xmlns:p14="http://schemas.microsoft.com/office/powerpoint/2010/main" Requires="p14">
       <p:transition spd="med" p14:dur="700">
         <p:fade/>
       </p:transition>
     </mc:Choice>
-    <mc:Fallback xmlns="">
+    <mc:Fallback>
       <p:transition spd="med">
         <p:fade/>
       </p:transition>
@@ -11100,7 +10875,7 @@
           <a:blip r:embed="rId2">
             <a:extLst>
               <a:ext uri="{28A0092B-C50C-407E-A947-70E740481C1C}">
-                <a14:useLocalDpi xmlns:a14="http://schemas.microsoft.com/office/drawing/2010/main" val="0"/>
+                <a14:useLocalDpi xmlns="" xmlns:a14="http://schemas.microsoft.com/office/drawing/2010/main" val="0"/>
               </a:ext>
             </a:extLst>
           </a:blip>
@@ -11157,20 +10932,20 @@
     </p:spTree>
     <p:extLst>
       <p:ext uri="{BB962C8B-B14F-4D97-AF65-F5344CB8AC3E}">
-        <p14:creationId xmlns:p14="http://schemas.microsoft.com/office/powerpoint/2010/main" val="4269163209"/>
+        <p14:creationId xmlns="" xmlns:p14="http://schemas.microsoft.com/office/powerpoint/2010/main" val="4269163209"/>
       </p:ext>
     </p:extLst>
   </p:cSld>
   <p:clrMapOvr>
     <a:masterClrMapping/>
   </p:clrMapOvr>
-  <mc:AlternateContent xmlns:mc="http://schemas.openxmlformats.org/markup-compatibility/2006" xmlns:p14="http://schemas.microsoft.com/office/powerpoint/2010/main">
-    <mc:Choice Requires="p14">
+  <mc:AlternateContent xmlns:mc="http://schemas.openxmlformats.org/markup-compatibility/2006">
+    <mc:Choice xmlns="" xmlns:p14="http://schemas.microsoft.com/office/powerpoint/2010/main" Requires="p14">
       <p:transition spd="med" p14:dur="700">
         <p:fade/>
       </p:transition>
     </mc:Choice>
-    <mc:Fallback xmlns="">
+    <mc:Fallback>
       <p:transition spd="med">
         <p:fade/>
       </p:transition>
@@ -11262,20 +11037,20 @@
     </p:spTree>
     <p:extLst>
       <p:ext uri="{BB962C8B-B14F-4D97-AF65-F5344CB8AC3E}">
-        <p14:creationId xmlns:p14="http://schemas.microsoft.com/office/powerpoint/2010/main" val="3407212384"/>
+        <p14:creationId xmlns="" xmlns:p14="http://schemas.microsoft.com/office/powerpoint/2010/main" val="3407212384"/>
       </p:ext>
     </p:extLst>
   </p:cSld>
   <p:clrMapOvr>
     <a:masterClrMapping/>
   </p:clrMapOvr>
-  <mc:AlternateContent xmlns:mc="http://schemas.openxmlformats.org/markup-compatibility/2006" xmlns:p14="http://schemas.microsoft.com/office/powerpoint/2010/main">
-    <mc:Choice Requires="p14">
+  <mc:AlternateContent xmlns:mc="http://schemas.openxmlformats.org/markup-compatibility/2006">
+    <mc:Choice xmlns="" xmlns:p14="http://schemas.microsoft.com/office/powerpoint/2010/main" Requires="p14">
       <p:transition spd="med" p14:dur="700">
         <p:fade/>
       </p:transition>
     </mc:Choice>
-    <mc:Fallback xmlns="">
+    <mc:Fallback>
       <p:transition spd="med">
         <p:fade/>
       </p:transition>
@@ -11337,7 +11112,7 @@
           <a:blip r:embed="rId2">
             <a:extLst>
               <a:ext uri="{28A0092B-C50C-407E-A947-70E740481C1C}">
-                <a14:useLocalDpi xmlns:a14="http://schemas.microsoft.com/office/drawing/2010/main" val="0"/>
+                <a14:useLocalDpi xmlns="" xmlns:a14="http://schemas.microsoft.com/office/drawing/2010/main" val="0"/>
               </a:ext>
             </a:extLst>
           </a:blip>
@@ -11394,20 +11169,20 @@
     </p:spTree>
     <p:extLst>
       <p:ext uri="{BB962C8B-B14F-4D97-AF65-F5344CB8AC3E}">
-        <p14:creationId xmlns:p14="http://schemas.microsoft.com/office/powerpoint/2010/main" val="734959280"/>
+        <p14:creationId xmlns="" xmlns:p14="http://schemas.microsoft.com/office/powerpoint/2010/main" val="734959280"/>
       </p:ext>
     </p:extLst>
   </p:cSld>
   <p:clrMapOvr>
     <a:masterClrMapping/>
   </p:clrMapOvr>
-  <mc:AlternateContent xmlns:mc="http://schemas.openxmlformats.org/markup-compatibility/2006" xmlns:p14="http://schemas.microsoft.com/office/powerpoint/2010/main">
-    <mc:Choice Requires="p14">
+  <mc:AlternateContent xmlns:mc="http://schemas.openxmlformats.org/markup-compatibility/2006">
+    <mc:Choice xmlns="" xmlns:p14="http://schemas.microsoft.com/office/powerpoint/2010/main" Requires="p14">
       <p:transition spd="med" p14:dur="700">
         <p:fade/>
       </p:transition>
     </mc:Choice>
-    <mc:Fallback xmlns="">
+    <mc:Fallback>
       <p:transition spd="med">
         <p:fade/>
       </p:transition>
@@ -11501,20 +11276,20 @@
     </p:spTree>
     <p:extLst>
       <p:ext uri="{BB962C8B-B14F-4D97-AF65-F5344CB8AC3E}">
-        <p14:creationId xmlns:p14="http://schemas.microsoft.com/office/powerpoint/2010/main" val="4064620491"/>
+        <p14:creationId xmlns="" xmlns:p14="http://schemas.microsoft.com/office/powerpoint/2010/main" val="4064620491"/>
       </p:ext>
     </p:extLst>
   </p:cSld>
   <p:clrMapOvr>
     <a:masterClrMapping/>
   </p:clrMapOvr>
-  <mc:AlternateContent xmlns:mc="http://schemas.openxmlformats.org/markup-compatibility/2006" xmlns:p14="http://schemas.microsoft.com/office/powerpoint/2010/main">
-    <mc:Choice Requires="p14">
+  <mc:AlternateContent xmlns:mc="http://schemas.openxmlformats.org/markup-compatibility/2006">
+    <mc:Choice xmlns="" xmlns:p14="http://schemas.microsoft.com/office/powerpoint/2010/main" Requires="p14">
       <p:transition spd="med" p14:dur="700">
         <p:fade/>
       </p:transition>
     </mc:Choice>
-    <mc:Fallback xmlns="">
+    <mc:Fallback>
       <p:transition spd="med">
         <p:fade/>
       </p:transition>
@@ -11732,7 +11507,7 @@
           <a:blip r:embed="rId2">
             <a:extLst>
               <a:ext uri="{28A0092B-C50C-407E-A947-70E740481C1C}">
-                <a14:useLocalDpi xmlns:a14="http://schemas.microsoft.com/office/drawing/2010/main" val="0"/>
+                <a14:useLocalDpi xmlns="" xmlns:a14="http://schemas.microsoft.com/office/drawing/2010/main" val="0"/>
               </a:ext>
             </a:extLst>
           </a:blip>
@@ -11753,20 +11528,20 @@
     </p:spTree>
     <p:extLst>
       <p:ext uri="{BB962C8B-B14F-4D97-AF65-F5344CB8AC3E}">
-        <p14:creationId xmlns:p14="http://schemas.microsoft.com/office/powerpoint/2010/main" val="3396877958"/>
+        <p14:creationId xmlns="" xmlns:p14="http://schemas.microsoft.com/office/powerpoint/2010/main" val="3396877958"/>
       </p:ext>
     </p:extLst>
   </p:cSld>
   <p:clrMapOvr>
     <a:masterClrMapping/>
   </p:clrMapOvr>
-  <mc:AlternateContent xmlns:mc="http://schemas.openxmlformats.org/markup-compatibility/2006" xmlns:p14="http://schemas.microsoft.com/office/powerpoint/2010/main">
-    <mc:Choice Requires="p14">
+  <mc:AlternateContent xmlns:mc="http://schemas.openxmlformats.org/markup-compatibility/2006">
+    <mc:Choice xmlns="" xmlns:p14="http://schemas.microsoft.com/office/powerpoint/2010/main" Requires="p14">
       <p:transition spd="med" p14:dur="700">
         <p:fade/>
       </p:transition>
     </mc:Choice>
-    <mc:Fallback xmlns="">
+    <mc:Fallback>
       <p:transition spd="med">
         <p:fade/>
       </p:transition>
@@ -11986,7 +11761,7 @@
           <a:blip r:embed="rId2">
             <a:extLst>
               <a:ext uri="{28A0092B-C50C-407E-A947-70E740481C1C}">
-                <a14:useLocalDpi xmlns:a14="http://schemas.microsoft.com/office/drawing/2010/main" val="0"/>
+                <a14:useLocalDpi xmlns="" xmlns:a14="http://schemas.microsoft.com/office/drawing/2010/main" val="0"/>
               </a:ext>
             </a:extLst>
           </a:blip>
@@ -12007,20 +11782,20 @@
     </p:spTree>
     <p:extLst>
       <p:ext uri="{BB962C8B-B14F-4D97-AF65-F5344CB8AC3E}">
-        <p14:creationId xmlns:p14="http://schemas.microsoft.com/office/powerpoint/2010/main" val="4083529262"/>
+        <p14:creationId xmlns="" xmlns:p14="http://schemas.microsoft.com/office/powerpoint/2010/main" val="4083529262"/>
       </p:ext>
     </p:extLst>
   </p:cSld>
   <p:clrMapOvr>
     <a:masterClrMapping/>
   </p:clrMapOvr>
-  <mc:AlternateContent xmlns:mc="http://schemas.openxmlformats.org/markup-compatibility/2006" xmlns:p14="http://schemas.microsoft.com/office/powerpoint/2010/main">
-    <mc:Choice Requires="p14">
+  <mc:AlternateContent xmlns:mc="http://schemas.openxmlformats.org/markup-compatibility/2006">
+    <mc:Choice xmlns="" xmlns:p14="http://schemas.microsoft.com/office/powerpoint/2010/main" Requires="p14">
       <p:transition spd="med" p14:dur="700">
         <p:fade/>
       </p:transition>
     </mc:Choice>
-    <mc:Fallback xmlns="">
+    <mc:Fallback>
       <p:transition spd="med">
         <p:fade/>
       </p:transition>
@@ -12231,7 +12006,7 @@
           <a:blip r:embed="rId2">
             <a:extLst>
               <a:ext uri="{28A0092B-C50C-407E-A947-70E740481C1C}">
-                <a14:useLocalDpi xmlns:a14="http://schemas.microsoft.com/office/drawing/2010/main" val="0"/>
+                <a14:useLocalDpi xmlns="" xmlns:a14="http://schemas.microsoft.com/office/drawing/2010/main" val="0"/>
               </a:ext>
             </a:extLst>
           </a:blip>
@@ -12252,20 +12027,20 @@
     </p:spTree>
     <p:extLst>
       <p:ext uri="{BB962C8B-B14F-4D97-AF65-F5344CB8AC3E}">
-        <p14:creationId xmlns:p14="http://schemas.microsoft.com/office/powerpoint/2010/main" val="96453269"/>
+        <p14:creationId xmlns="" xmlns:p14="http://schemas.microsoft.com/office/powerpoint/2010/main" val="96453269"/>
       </p:ext>
     </p:extLst>
   </p:cSld>
   <p:clrMapOvr>
     <a:masterClrMapping/>
   </p:clrMapOvr>
-  <mc:AlternateContent xmlns:mc="http://schemas.openxmlformats.org/markup-compatibility/2006" xmlns:p14="http://schemas.microsoft.com/office/powerpoint/2010/main">
-    <mc:Choice Requires="p14">
+  <mc:AlternateContent xmlns:mc="http://schemas.openxmlformats.org/markup-compatibility/2006">
+    <mc:Choice xmlns="" xmlns:p14="http://schemas.microsoft.com/office/powerpoint/2010/main" Requires="p14">
       <p:transition spd="med" p14:dur="700">
         <p:fade/>
       </p:transition>
     </mc:Choice>
-    <mc:Fallback xmlns="">
+    <mc:Fallback>
       <p:transition spd="med">
         <p:fade/>
       </p:transition>
@@ -12327,7 +12102,7 @@
           <a:blip r:embed="rId2">
             <a:extLst>
               <a:ext uri="{28A0092B-C50C-407E-A947-70E740481C1C}">
-                <a14:useLocalDpi xmlns:a14="http://schemas.microsoft.com/office/drawing/2010/main" val="0"/>
+                <a14:useLocalDpi xmlns="" xmlns:a14="http://schemas.microsoft.com/office/drawing/2010/main" val="0"/>
               </a:ext>
             </a:extLst>
           </a:blip>
@@ -12384,20 +12159,20 @@
     </p:spTree>
     <p:extLst>
       <p:ext uri="{BB962C8B-B14F-4D97-AF65-F5344CB8AC3E}">
-        <p14:creationId xmlns:p14="http://schemas.microsoft.com/office/powerpoint/2010/main" val="825616417"/>
+        <p14:creationId xmlns="" xmlns:p14="http://schemas.microsoft.com/office/powerpoint/2010/main" val="825616417"/>
       </p:ext>
     </p:extLst>
   </p:cSld>
   <p:clrMapOvr>
     <a:masterClrMapping/>
   </p:clrMapOvr>
-  <mc:AlternateContent xmlns:mc="http://schemas.openxmlformats.org/markup-compatibility/2006" xmlns:p14="http://schemas.microsoft.com/office/powerpoint/2010/main">
-    <mc:Choice Requires="p14">
+  <mc:AlternateContent xmlns:mc="http://schemas.openxmlformats.org/markup-compatibility/2006">
+    <mc:Choice xmlns="" xmlns:p14="http://schemas.microsoft.com/office/powerpoint/2010/main" Requires="p14">
       <p:transition spd="med" p14:dur="700">
         <p:fade/>
       </p:transition>
     </mc:Choice>
-    <mc:Fallback xmlns="">
+    <mc:Fallback>
       <p:transition spd="med">
         <p:fade/>
       </p:transition>
@@ -12495,7 +12270,7 @@
           <a:blip r:embed="rId2">
             <a:extLst>
               <a:ext uri="{28A0092B-C50C-407E-A947-70E740481C1C}">
-                <a14:useLocalDpi xmlns:a14="http://schemas.microsoft.com/office/drawing/2010/main" val="0"/>
+                <a14:useLocalDpi xmlns="" xmlns:a14="http://schemas.microsoft.com/office/drawing/2010/main" val="0"/>
               </a:ext>
             </a:extLst>
           </a:blip>
@@ -12516,20 +12291,20 @@
     </p:spTree>
     <p:extLst>
       <p:ext uri="{BB962C8B-B14F-4D97-AF65-F5344CB8AC3E}">
-        <p14:creationId xmlns:p14="http://schemas.microsoft.com/office/powerpoint/2010/main" val="1764842150"/>
+        <p14:creationId xmlns="" xmlns:p14="http://schemas.microsoft.com/office/powerpoint/2010/main" val="1764842150"/>
       </p:ext>
     </p:extLst>
   </p:cSld>
   <p:clrMapOvr>
     <a:masterClrMapping/>
   </p:clrMapOvr>
-  <mc:AlternateContent xmlns:mc="http://schemas.openxmlformats.org/markup-compatibility/2006" xmlns:p14="http://schemas.microsoft.com/office/powerpoint/2010/main">
-    <mc:Choice Requires="p14">
+  <mc:AlternateContent xmlns:mc="http://schemas.openxmlformats.org/markup-compatibility/2006">
+    <mc:Choice xmlns="" xmlns:p14="http://schemas.microsoft.com/office/powerpoint/2010/main" Requires="p14">
       <p:transition spd="med" p14:dur="700">
         <p:fade/>
       </p:transition>
     </mc:Choice>
-    <mc:Fallback xmlns="">
+    <mc:Fallback>
       <p:transition spd="med">
         <p:fade/>
       </p:transition>
@@ -12622,20 +12397,20 @@
     </p:spTree>
     <p:extLst>
       <p:ext uri="{BB962C8B-B14F-4D97-AF65-F5344CB8AC3E}">
-        <p14:creationId xmlns:p14="http://schemas.microsoft.com/office/powerpoint/2010/main" val="2663608216"/>
+        <p14:creationId xmlns="" xmlns:p14="http://schemas.microsoft.com/office/powerpoint/2010/main" val="2663608216"/>
       </p:ext>
     </p:extLst>
   </p:cSld>
   <p:clrMapOvr>
     <a:masterClrMapping/>
   </p:clrMapOvr>
-  <mc:AlternateContent xmlns:mc="http://schemas.openxmlformats.org/markup-compatibility/2006" xmlns:p14="http://schemas.microsoft.com/office/powerpoint/2010/main">
-    <mc:Choice Requires="p14">
+  <mc:AlternateContent xmlns:mc="http://schemas.openxmlformats.org/markup-compatibility/2006">
+    <mc:Choice xmlns="" xmlns:p14="http://schemas.microsoft.com/office/powerpoint/2010/main" Requires="p14">
       <p:transition spd="med" p14:dur="700">
         <p:fade/>
       </p:transition>
     </mc:Choice>
-    <mc:Fallback xmlns="">
+    <mc:Fallback>
       <p:transition spd="med">
         <p:fade/>
       </p:transition>
@@ -12835,7 +12610,7 @@
           <a:blip r:embed="rId2">
             <a:extLst>
               <a:ext uri="{28A0092B-C50C-407E-A947-70E740481C1C}">
-                <a14:useLocalDpi xmlns:a14="http://schemas.microsoft.com/office/drawing/2010/main" val="0"/>
+                <a14:useLocalDpi xmlns="" xmlns:a14="http://schemas.microsoft.com/office/drawing/2010/main" val="0"/>
               </a:ext>
             </a:extLst>
           </a:blip>
@@ -12856,20 +12631,20 @@
     </p:spTree>
     <p:extLst>
       <p:ext uri="{BB962C8B-B14F-4D97-AF65-F5344CB8AC3E}">
-        <p14:creationId xmlns:p14="http://schemas.microsoft.com/office/powerpoint/2010/main" val="3667836626"/>
+        <p14:creationId xmlns="" xmlns:p14="http://schemas.microsoft.com/office/powerpoint/2010/main" val="3667836626"/>
       </p:ext>
     </p:extLst>
   </p:cSld>
   <p:clrMapOvr>
     <a:masterClrMapping/>
   </p:clrMapOvr>
-  <mc:AlternateContent xmlns:mc="http://schemas.openxmlformats.org/markup-compatibility/2006" xmlns:p14="http://schemas.microsoft.com/office/powerpoint/2010/main">
-    <mc:Choice Requires="p14">
+  <mc:AlternateContent xmlns:mc="http://schemas.openxmlformats.org/markup-compatibility/2006">
+    <mc:Choice xmlns="" xmlns:p14="http://schemas.microsoft.com/office/powerpoint/2010/main" Requires="p14">
       <p:transition spd="med" p14:dur="700">
         <p:fade/>
       </p:transition>
     </mc:Choice>
-    <mc:Fallback xmlns="">
+    <mc:Fallback>
       <p:transition spd="med">
         <p:fade/>
       </p:transition>
@@ -13052,7 +12827,7 @@
           <a:blip r:embed="rId2">
             <a:extLst>
               <a:ext uri="{28A0092B-C50C-407E-A947-70E740481C1C}">
-                <a14:useLocalDpi xmlns:a14="http://schemas.microsoft.com/office/drawing/2010/main" val="0"/>
+                <a14:useLocalDpi xmlns="" xmlns:a14="http://schemas.microsoft.com/office/drawing/2010/main" val="0"/>
               </a:ext>
             </a:extLst>
           </a:blip>
@@ -13145,20 +12920,20 @@
     </p:spTree>
     <p:extLst>
       <p:ext uri="{BB962C8B-B14F-4D97-AF65-F5344CB8AC3E}">
-        <p14:creationId xmlns:p14="http://schemas.microsoft.com/office/powerpoint/2010/main" val="2460236813"/>
+        <p14:creationId xmlns="" xmlns:p14="http://schemas.microsoft.com/office/powerpoint/2010/main" val="2460236813"/>
       </p:ext>
     </p:extLst>
   </p:cSld>
   <p:clrMapOvr>
     <a:masterClrMapping/>
   </p:clrMapOvr>
-  <mc:AlternateContent xmlns:mc="http://schemas.openxmlformats.org/markup-compatibility/2006" xmlns:p14="http://schemas.microsoft.com/office/powerpoint/2010/main">
-    <mc:Choice Requires="p14">
+  <mc:AlternateContent xmlns:mc="http://schemas.openxmlformats.org/markup-compatibility/2006">
+    <mc:Choice xmlns="" xmlns:p14="http://schemas.microsoft.com/office/powerpoint/2010/main" Requires="p14">
       <p:transition spd="med" p14:dur="700">
         <p:fade/>
       </p:transition>
     </mc:Choice>
-    <mc:Fallback xmlns="">
+    <mc:Fallback>
       <p:transition spd="med">
         <p:fade/>
       </p:transition>
@@ -13356,7 +13131,7 @@
           <a:blip r:embed="rId2">
             <a:extLst>
               <a:ext uri="{28A0092B-C50C-407E-A947-70E740481C1C}">
-                <a14:useLocalDpi xmlns:a14="http://schemas.microsoft.com/office/drawing/2010/main" val="0"/>
+                <a14:useLocalDpi xmlns="" xmlns:a14="http://schemas.microsoft.com/office/drawing/2010/main" val="0"/>
               </a:ext>
             </a:extLst>
           </a:blip>
@@ -13377,20 +13152,20 @@
     </p:spTree>
     <p:extLst>
       <p:ext uri="{BB962C8B-B14F-4D97-AF65-F5344CB8AC3E}">
-        <p14:creationId xmlns:p14="http://schemas.microsoft.com/office/powerpoint/2010/main" val="2392485732"/>
+        <p14:creationId xmlns="" xmlns:p14="http://schemas.microsoft.com/office/powerpoint/2010/main" val="2392485732"/>
       </p:ext>
     </p:extLst>
   </p:cSld>
   <p:clrMapOvr>
     <a:masterClrMapping/>
   </p:clrMapOvr>
-  <mc:AlternateContent xmlns:mc="http://schemas.openxmlformats.org/markup-compatibility/2006" xmlns:p14="http://schemas.microsoft.com/office/powerpoint/2010/main">
-    <mc:Choice Requires="p14">
+  <mc:AlternateContent xmlns:mc="http://schemas.openxmlformats.org/markup-compatibility/2006">
+    <mc:Choice xmlns="" xmlns:p14="http://schemas.microsoft.com/office/powerpoint/2010/main" Requires="p14">
       <p:transition spd="med" p14:dur="700">
         <p:fade/>
       </p:transition>
     </mc:Choice>
-    <mc:Fallback xmlns="">
+    <mc:Fallback>
       <p:transition spd="med">
         <p:fade/>
       </p:transition>
@@ -13496,7 +13271,7 @@
           <a:blip r:embed="rId2">
             <a:extLst>
               <a:ext uri="{28A0092B-C50C-407E-A947-70E740481C1C}">
-                <a14:useLocalDpi xmlns:a14="http://schemas.microsoft.com/office/drawing/2010/main" val="0"/>
+                <a14:useLocalDpi xmlns="" xmlns:a14="http://schemas.microsoft.com/office/drawing/2010/main" val="0"/>
               </a:ext>
             </a:extLst>
           </a:blip>
@@ -13561,20 +13336,20 @@
     </p:spTree>
     <p:extLst>
       <p:ext uri="{BB962C8B-B14F-4D97-AF65-F5344CB8AC3E}">
-        <p14:creationId xmlns:p14="http://schemas.microsoft.com/office/powerpoint/2010/main" val="4137108468"/>
+        <p14:creationId xmlns="" xmlns:p14="http://schemas.microsoft.com/office/powerpoint/2010/main" val="4137108468"/>
       </p:ext>
     </p:extLst>
   </p:cSld>
   <p:clrMapOvr>
     <a:masterClrMapping/>
   </p:clrMapOvr>
-  <mc:AlternateContent xmlns:mc="http://schemas.openxmlformats.org/markup-compatibility/2006" xmlns:p14="http://schemas.microsoft.com/office/powerpoint/2010/main">
-    <mc:Choice Requires="p14">
+  <mc:AlternateContent xmlns:mc="http://schemas.openxmlformats.org/markup-compatibility/2006">
+    <mc:Choice xmlns="" xmlns:p14="http://schemas.microsoft.com/office/powerpoint/2010/main" Requires="p14">
       <p:transition spd="med" p14:dur="700">
         <p:fade/>
       </p:transition>
     </mc:Choice>
-    <mc:Fallback xmlns="">
+    <mc:Fallback>
       <p:transition spd="med">
         <p:fade/>
       </p:transition>
@@ -13636,7 +13411,7 @@
           <a:blip r:embed="rId2">
             <a:extLst>
               <a:ext uri="{28A0092B-C50C-407E-A947-70E740481C1C}">
-                <a14:useLocalDpi xmlns:a14="http://schemas.microsoft.com/office/drawing/2010/main" val="0"/>
+                <a14:useLocalDpi xmlns="" xmlns:a14="http://schemas.microsoft.com/office/drawing/2010/main" val="0"/>
               </a:ext>
             </a:extLst>
           </a:blip>
@@ -13693,20 +13468,20 @@
     </p:spTree>
     <p:extLst>
       <p:ext uri="{BB962C8B-B14F-4D97-AF65-F5344CB8AC3E}">
-        <p14:creationId xmlns:p14="http://schemas.microsoft.com/office/powerpoint/2010/main" val="3503482464"/>
+        <p14:creationId xmlns="" xmlns:p14="http://schemas.microsoft.com/office/powerpoint/2010/main" val="3503482464"/>
       </p:ext>
     </p:extLst>
   </p:cSld>
   <p:clrMapOvr>
     <a:masterClrMapping/>
   </p:clrMapOvr>
-  <mc:AlternateContent xmlns:mc="http://schemas.openxmlformats.org/markup-compatibility/2006" xmlns:p14="http://schemas.microsoft.com/office/powerpoint/2010/main">
-    <mc:Choice Requires="p14">
+  <mc:AlternateContent xmlns:mc="http://schemas.openxmlformats.org/markup-compatibility/2006">
+    <mc:Choice xmlns="" xmlns:p14="http://schemas.microsoft.com/office/powerpoint/2010/main" Requires="p14">
       <p:transition spd="med" p14:dur="700">
         <p:fade/>
       </p:transition>
     </mc:Choice>
-    <mc:Fallback xmlns="">
+    <mc:Fallback>
       <p:transition spd="med">
         <p:fade/>
       </p:transition>
@@ -13734,7 +13509,7 @@
       </p:grpSpPr>
       <p:sp>
         <p:nvSpPr>
-          <p:cNvPr id="4" name="Slide Number Placeholder 3"/>
+          <p:cNvPr id="2" name="Slide Number Placeholder 1"/>
           <p:cNvSpPr>
             <a:spLocks noGrp="1"/>
           </p:cNvSpPr>
@@ -13756,89 +13531,78 @@
           </a:p>
         </p:txBody>
       </p:sp>
-      <p:sp>
-        <p:nvSpPr>
-          <p:cNvPr id="5" name="TextBox 4"/>
-          <p:cNvSpPr txBox="1"/>
-          <p:nvPr/>
-        </p:nvSpPr>
-        <p:spPr>
-          <a:xfrm>
-            <a:off x="3352799" y="5725303"/>
-            <a:ext cx="2514600" cy="461665"/>
-          </a:xfrm>
-          <a:prstGeom prst="rect">
-            <a:avLst/>
-          </a:prstGeom>
-          <a:noFill/>
-        </p:spPr>
-        <p:txBody>
-          <a:bodyPr wrap="square" rtlCol="0">
-            <a:spAutoFit/>
-          </a:bodyPr>
-          <a:lstStyle/>
-          <a:p>
-            <a:r>
-              <a:rPr lang="en-US" sz="2400" dirty="0" smtClean="0">
-                <a:latin typeface="Arial" panose="020B0604020202020204" pitchFamily="34" charset="0"/>
-                <a:cs typeface="Arial" panose="020B0604020202020204" pitchFamily="34" charset="0"/>
-              </a:rPr>
-              <a:t>Activity Diagram</a:t>
-            </a:r>
-            <a:endParaRPr lang="en-US" sz="2400" dirty="0">
-              <a:latin typeface="Arial" panose="020B0604020202020204" pitchFamily="34" charset="0"/>
-              <a:cs typeface="Arial" panose="020B0604020202020204" pitchFamily="34" charset="0"/>
-            </a:endParaRPr>
-          </a:p>
-        </p:txBody>
-      </p:sp>
       <p:pic>
         <p:nvPicPr>
-          <p:cNvPr id="2" name="Picture 1"/>
+          <p:cNvPr id="3" name="Picture 2" descr="5. State Diagram - Verified Form.png"/>
           <p:cNvPicPr>
             <a:picLocks noChangeAspect="1"/>
           </p:cNvPicPr>
           <p:nvPr/>
         </p:nvPicPr>
         <p:blipFill>
-          <a:blip r:embed="rId3">
-            <a:extLst>
-              <a:ext uri="{28A0092B-C50C-407E-A947-70E740481C1C}">
-                <a14:useLocalDpi xmlns:a14="http://schemas.microsoft.com/office/drawing/2010/main" val="0"/>
-              </a:ext>
-            </a:extLst>
-          </a:blip>
+          <a:blip r:embed="rId2"/>
           <a:stretch>
             <a:fillRect/>
           </a:stretch>
         </p:blipFill>
         <p:spPr>
           <a:xfrm>
-            <a:off x="890587" y="1828800"/>
-            <a:ext cx="7439025" cy="3305175"/>
+            <a:off x="1828800" y="762000"/>
+            <a:ext cx="5495925" cy="5438775"/>
           </a:xfrm>
           <a:prstGeom prst="rect">
             <a:avLst/>
           </a:prstGeom>
         </p:spPr>
       </p:pic>
+      <p:sp>
+        <p:nvSpPr>
+          <p:cNvPr id="4" name="TextBox 3"/>
+          <p:cNvSpPr txBox="1"/>
+          <p:nvPr/>
+        </p:nvSpPr>
+        <p:spPr>
+          <a:xfrm>
+            <a:off x="2590800" y="6324600"/>
+            <a:ext cx="3886200" cy="369332"/>
+          </a:xfrm>
+          <a:prstGeom prst="rect">
+            <a:avLst/>
+          </a:prstGeom>
+          <a:noFill/>
+        </p:spPr>
+        <p:txBody>
+          <a:bodyPr wrap="square" rtlCol="0">
+            <a:spAutoFit/>
+          </a:bodyPr>
+          <a:lstStyle/>
+          <a:p>
+            <a:r>
+              <a:rPr lang="en-US" dirty="0" smtClean="0">
+                <a:latin typeface="Arial" panose="020B0604020202020204" pitchFamily="34" charset="0"/>
+                <a:cs typeface="Arial" panose="020B0604020202020204" pitchFamily="34" charset="0"/>
+              </a:rPr>
+              <a:t>State Diagram : Requisition Form</a:t>
+            </a:r>
+            <a:endParaRPr lang="en-US" dirty="0">
+              <a:latin typeface="Arial" panose="020B0604020202020204" pitchFamily="34" charset="0"/>
+              <a:cs typeface="Arial" panose="020B0604020202020204" pitchFamily="34" charset="0"/>
+            </a:endParaRPr>
+          </a:p>
+        </p:txBody>
+      </p:sp>
     </p:spTree>
-    <p:extLst>
-      <p:ext uri="{BB962C8B-B14F-4D97-AF65-F5344CB8AC3E}">
-        <p14:creationId xmlns:p14="http://schemas.microsoft.com/office/powerpoint/2010/main" val="3448785044"/>
-      </p:ext>
-    </p:extLst>
   </p:cSld>
   <p:clrMapOvr>
     <a:masterClrMapping/>
   </p:clrMapOvr>
-  <mc:AlternateContent xmlns:mc="http://schemas.openxmlformats.org/markup-compatibility/2006" xmlns:p14="http://schemas.microsoft.com/office/powerpoint/2010/main">
-    <mc:Choice Requires="p14">
+  <mc:AlternateContent xmlns:mc="http://schemas.openxmlformats.org/markup-compatibility/2006">
+    <mc:Choice xmlns="" xmlns:p14="http://schemas.microsoft.com/office/powerpoint/2010/main" Requires="p14">
       <p:transition spd="med" p14:dur="700">
         <p:fade/>
       </p:transition>
     </mc:Choice>
-    <mc:Fallback xmlns="">
+    <mc:Fallback>
       <p:transition spd="med">
         <p:fade/>
       </p:transition>
@@ -13866,7 +13630,7 @@
       </p:grpSpPr>
       <p:sp>
         <p:nvSpPr>
-          <p:cNvPr id="2" name="Slide Number Placeholder 1"/>
+          <p:cNvPr id="4" name="Slide Number Placeholder 3"/>
           <p:cNvSpPr>
             <a:spLocks noGrp="1"/>
           </p:cNvSpPr>
@@ -13890,14 +13654,14 @@
       </p:sp>
       <p:sp>
         <p:nvSpPr>
-          <p:cNvPr id="3" name="TextBox 2"/>
+          <p:cNvPr id="5" name="TextBox 4"/>
           <p:cNvSpPr txBox="1"/>
           <p:nvPr/>
         </p:nvSpPr>
         <p:spPr>
           <a:xfrm>
-            <a:off x="3581400" y="2895600"/>
-            <a:ext cx="2249456" cy="1200329"/>
+            <a:off x="3352799" y="5725303"/>
+            <a:ext cx="2514600" cy="461665"/>
           </a:xfrm>
           <a:prstGeom prst="rect">
             <a:avLst/>
@@ -13911,23 +13675,53 @@
           <a:lstStyle/>
           <a:p>
             <a:r>
-              <a:rPr lang="en-US" sz="7200" dirty="0" smtClean="0">
+              <a:rPr lang="en-US" sz="2400" dirty="0" smtClean="0">
                 <a:latin typeface="Arial" panose="020B0604020202020204" pitchFamily="34" charset="0"/>
                 <a:cs typeface="Arial" panose="020B0604020202020204" pitchFamily="34" charset="0"/>
               </a:rPr>
-              <a:t>END</a:t>
-            </a:r>
-            <a:endParaRPr lang="en-US" sz="7200" dirty="0">
-              <a:latin typeface="Arial" panose="020B0604020202020204" pitchFamily="34" charset="0"/>
-              <a:cs typeface="Arial" panose="020B0604020202020204" pitchFamily="34" charset="0"/>
-            </a:endParaRPr>
-          </a:p>
-        </p:txBody>
-      </p:sp>
+              <a:t>Activity Diagram</a:t>
+            </a:r>
+            <a:endParaRPr lang="en-US" sz="2400" dirty="0">
+              <a:latin typeface="Arial" panose="020B0604020202020204" pitchFamily="34" charset="0"/>
+              <a:cs typeface="Arial" panose="020B0604020202020204" pitchFamily="34" charset="0"/>
+            </a:endParaRPr>
+          </a:p>
+        </p:txBody>
+      </p:sp>
+      <p:pic>
+        <p:nvPicPr>
+          <p:cNvPr id="2" name="Picture 1"/>
+          <p:cNvPicPr>
+            <a:picLocks noChangeAspect="1"/>
+          </p:cNvPicPr>
+          <p:nvPr/>
+        </p:nvPicPr>
+        <p:blipFill>
+          <a:blip r:embed="rId3">
+            <a:extLst>
+              <a:ext uri="{28A0092B-C50C-407E-A947-70E740481C1C}">
+                <a14:useLocalDpi xmlns="" xmlns:a14="http://schemas.microsoft.com/office/drawing/2010/main" val="0"/>
+              </a:ext>
+            </a:extLst>
+          </a:blip>
+          <a:stretch>
+            <a:fillRect/>
+          </a:stretch>
+        </p:blipFill>
+        <p:spPr>
+          <a:xfrm>
+            <a:off x="890587" y="1828800"/>
+            <a:ext cx="7439025" cy="3305175"/>
+          </a:xfrm>
+          <a:prstGeom prst="rect">
+            <a:avLst/>
+          </a:prstGeom>
+        </p:spPr>
+      </p:pic>
     </p:spTree>
     <p:extLst>
       <p:ext uri="{BB962C8B-B14F-4D97-AF65-F5344CB8AC3E}">
-        <p14:creationId xmlns:p14="http://schemas.microsoft.com/office/powerpoint/2010/main" val="922768750"/>
+        <p14:creationId xmlns="" xmlns:p14="http://schemas.microsoft.com/office/powerpoint/2010/main" val="3448785044"/>
       </p:ext>
     </p:extLst>
   </p:cSld>
@@ -13935,7 +13729,109 @@
     <a:masterClrMapping/>
   </p:clrMapOvr>
   <mc:AlternateContent xmlns:mc="http://schemas.openxmlformats.org/markup-compatibility/2006">
-    <mc:Choice xmlns:p14="http://schemas.microsoft.com/office/powerpoint/2010/main" Requires="p14">
+    <mc:Choice xmlns="" xmlns:p14="http://schemas.microsoft.com/office/powerpoint/2010/main" Requires="p14">
+      <p:transition spd="med" p14:dur="700">
+        <p:fade/>
+      </p:transition>
+    </mc:Choice>
+    <mc:Fallback>
+      <p:transition spd="med">
+        <p:fade/>
+      </p:transition>
+    </mc:Fallback>
+  </mc:AlternateContent>
+</p:sld>
+</file>
+
+<file path=ppt/slides/slide54.xml><?xml version="1.0" encoding="utf-8"?>
+<p:sld xmlns:a="http://schemas.openxmlformats.org/drawingml/2006/main" xmlns:r="http://schemas.openxmlformats.org/officeDocument/2006/relationships" xmlns:p="http://schemas.openxmlformats.org/presentationml/2006/main">
+  <p:cSld>
+    <p:spTree>
+      <p:nvGrpSpPr>
+        <p:cNvPr id="1" name=""/>
+        <p:cNvGrpSpPr/>
+        <p:nvPr/>
+      </p:nvGrpSpPr>
+      <p:grpSpPr>
+        <a:xfrm>
+          <a:off x="0" y="0"/>
+          <a:ext cx="0" cy="0"/>
+          <a:chOff x="0" y="0"/>
+          <a:chExt cx="0" cy="0"/>
+        </a:xfrm>
+      </p:grpSpPr>
+      <p:sp>
+        <p:nvSpPr>
+          <p:cNvPr id="2" name="Slide Number Placeholder 1"/>
+          <p:cNvSpPr>
+            <a:spLocks noGrp="1"/>
+          </p:cNvSpPr>
+          <p:nvPr>
+            <p:ph type="sldNum" sz="quarter" idx="12"/>
+          </p:nvPr>
+        </p:nvSpPr>
+        <p:spPr/>
+        <p:txBody>
+          <a:bodyPr/>
+          <a:lstStyle/>
+          <a:p>
+            <a:fld id="{DF28FB93-0A08-4E7D-8E63-9EFA29F1E093}" type="slidenum">
+              <a:rPr lang="en-US" smtClean="0"/>
+              <a:pPr/>
+              <a:t>54</a:t>
+            </a:fld>
+            <a:endParaRPr lang="en-US" dirty="0"/>
+          </a:p>
+        </p:txBody>
+      </p:sp>
+      <p:sp>
+        <p:nvSpPr>
+          <p:cNvPr id="3" name="TextBox 2"/>
+          <p:cNvSpPr txBox="1"/>
+          <p:nvPr/>
+        </p:nvSpPr>
+        <p:spPr>
+          <a:xfrm>
+            <a:off x="3581400" y="2895600"/>
+            <a:ext cx="2249456" cy="1200329"/>
+          </a:xfrm>
+          <a:prstGeom prst="rect">
+            <a:avLst/>
+          </a:prstGeom>
+          <a:noFill/>
+        </p:spPr>
+        <p:txBody>
+          <a:bodyPr wrap="square" rtlCol="0">
+            <a:spAutoFit/>
+          </a:bodyPr>
+          <a:lstStyle/>
+          <a:p>
+            <a:r>
+              <a:rPr lang="en-US" sz="7200" dirty="0" smtClean="0">
+                <a:latin typeface="Arial" panose="020B0604020202020204" pitchFamily="34" charset="0"/>
+                <a:cs typeface="Arial" panose="020B0604020202020204" pitchFamily="34" charset="0"/>
+              </a:rPr>
+              <a:t>END</a:t>
+            </a:r>
+            <a:endParaRPr lang="en-US" sz="7200" dirty="0">
+              <a:latin typeface="Arial" panose="020B0604020202020204" pitchFamily="34" charset="0"/>
+              <a:cs typeface="Arial" panose="020B0604020202020204" pitchFamily="34" charset="0"/>
+            </a:endParaRPr>
+          </a:p>
+        </p:txBody>
+      </p:sp>
+    </p:spTree>
+    <p:extLst>
+      <p:ext uri="{BB962C8B-B14F-4D97-AF65-F5344CB8AC3E}">
+        <p14:creationId xmlns="" xmlns:p14="http://schemas.microsoft.com/office/powerpoint/2010/main" val="922768750"/>
+      </p:ext>
+    </p:extLst>
+  </p:cSld>
+  <p:clrMapOvr>
+    <a:masterClrMapping/>
+  </p:clrMapOvr>
+  <mc:AlternateContent xmlns:mc="http://schemas.openxmlformats.org/markup-compatibility/2006">
+    <mc:Choice xmlns="" xmlns:p14="http://schemas.microsoft.com/office/powerpoint/2010/main" Requires="p14">
       <p:transition spd="med" p14:dur="700">
         <p:fade/>
       </p:transition>
@@ -14155,7 +14051,7 @@
           <a:blip r:embed="rId2">
             <a:extLst>
               <a:ext uri="{28A0092B-C50C-407E-A947-70E740481C1C}">
-                <a14:useLocalDpi xmlns:a14="http://schemas.microsoft.com/office/drawing/2010/main" val="0"/>
+                <a14:useLocalDpi xmlns="" xmlns:a14="http://schemas.microsoft.com/office/drawing/2010/main" val="0"/>
               </a:ext>
             </a:extLst>
           </a:blip>
@@ -14176,20 +14072,20 @@
     </p:spTree>
     <p:extLst>
       <p:ext uri="{BB962C8B-B14F-4D97-AF65-F5344CB8AC3E}">
-        <p14:creationId xmlns:p14="http://schemas.microsoft.com/office/powerpoint/2010/main" val="3134930938"/>
+        <p14:creationId xmlns="" xmlns:p14="http://schemas.microsoft.com/office/powerpoint/2010/main" val="3134930938"/>
       </p:ext>
     </p:extLst>
   </p:cSld>
   <p:clrMapOvr>
     <a:masterClrMapping/>
   </p:clrMapOvr>
-  <mc:AlternateContent xmlns:mc="http://schemas.openxmlformats.org/markup-compatibility/2006" xmlns:p14="http://schemas.microsoft.com/office/powerpoint/2010/main">
-    <mc:Choice Requires="p14">
+  <mc:AlternateContent xmlns:mc="http://schemas.openxmlformats.org/markup-compatibility/2006">
+    <mc:Choice xmlns="" xmlns:p14="http://schemas.microsoft.com/office/powerpoint/2010/main" Requires="p14">
       <p:transition spd="med" p14:dur="700">
         <p:fade/>
       </p:transition>
     </mc:Choice>
-    <mc:Fallback xmlns="">
+    <mc:Fallback>
       <p:transition spd="med">
         <p:fade/>
       </p:transition>
@@ -14404,7 +14300,7 @@
           <a:blip r:embed="rId2">
             <a:extLst>
               <a:ext uri="{28A0092B-C50C-407E-A947-70E740481C1C}">
-                <a14:useLocalDpi xmlns:a14="http://schemas.microsoft.com/office/drawing/2010/main" val="0"/>
+                <a14:useLocalDpi xmlns="" xmlns:a14="http://schemas.microsoft.com/office/drawing/2010/main" val="0"/>
               </a:ext>
             </a:extLst>
           </a:blip>
@@ -14425,20 +14321,20 @@
     </p:spTree>
     <p:extLst>
       <p:ext uri="{BB962C8B-B14F-4D97-AF65-F5344CB8AC3E}">
-        <p14:creationId xmlns:p14="http://schemas.microsoft.com/office/powerpoint/2010/main" val="1468771687"/>
+        <p14:creationId xmlns="" xmlns:p14="http://schemas.microsoft.com/office/powerpoint/2010/main" val="1468771687"/>
       </p:ext>
     </p:extLst>
   </p:cSld>
   <p:clrMapOvr>
     <a:masterClrMapping/>
   </p:clrMapOvr>
-  <mc:AlternateContent xmlns:mc="http://schemas.openxmlformats.org/markup-compatibility/2006" xmlns:p14="http://schemas.microsoft.com/office/powerpoint/2010/main">
-    <mc:Choice Requires="p14">
+  <mc:AlternateContent xmlns:mc="http://schemas.openxmlformats.org/markup-compatibility/2006">
+    <mc:Choice xmlns="" xmlns:p14="http://schemas.microsoft.com/office/powerpoint/2010/main" Requires="p14">
       <p:transition spd="med" p14:dur="700">
         <p:fade/>
       </p:transition>
     </mc:Choice>
-    <mc:Fallback xmlns="">
+    <mc:Fallback>
       <p:transition spd="med">
         <p:fade/>
       </p:transition>
@@ -14644,7 +14540,7 @@
           <a:blip r:embed="rId2">
             <a:extLst>
               <a:ext uri="{28A0092B-C50C-407E-A947-70E740481C1C}">
-                <a14:useLocalDpi xmlns:a14="http://schemas.microsoft.com/office/drawing/2010/main" val="0"/>
+                <a14:useLocalDpi xmlns="" xmlns:a14="http://schemas.microsoft.com/office/drawing/2010/main" val="0"/>
               </a:ext>
             </a:extLst>
           </a:blip>
@@ -14665,25 +14561,32 @@
     </p:spTree>
     <p:extLst>
       <p:ext uri="{BB962C8B-B14F-4D97-AF65-F5344CB8AC3E}">
-        <p14:creationId xmlns:p14="http://schemas.microsoft.com/office/powerpoint/2010/main" val="2707867632"/>
+        <p14:creationId xmlns="" xmlns:p14="http://schemas.microsoft.com/office/powerpoint/2010/main" val="2707867632"/>
       </p:ext>
     </p:extLst>
   </p:cSld>
   <p:clrMapOvr>
     <a:masterClrMapping/>
   </p:clrMapOvr>
-  <mc:AlternateContent xmlns:mc="http://schemas.openxmlformats.org/markup-compatibility/2006" xmlns:p14="http://schemas.microsoft.com/office/powerpoint/2010/main">
-    <mc:Choice Requires="p14">
+  <mc:AlternateContent xmlns:mc="http://schemas.openxmlformats.org/markup-compatibility/2006">
+    <mc:Choice xmlns="" xmlns:p14="http://schemas.microsoft.com/office/powerpoint/2010/main" Requires="p14">
       <p:transition spd="med" p14:dur="700">
         <p:fade/>
       </p:transition>
     </mc:Choice>
-    <mc:Fallback xmlns="">
+    <mc:Fallback>
       <p:transition spd="med">
         <p:fade/>
       </p:transition>
     </mc:Fallback>
   </mc:AlternateContent>
+  <p:timing>
+    <p:tnLst>
+      <p:par>
+        <p:cTn id="1" dur="indefinite" restart="never" nodeType="tmRoot"/>
+      </p:par>
+    </p:tnLst>
+  </p:timing>
 </p:sld>
 </file>
 
@@ -14904,7 +14807,7 @@
           <a:blip r:embed="rId2">
             <a:extLst>
               <a:ext uri="{28A0092B-C50C-407E-A947-70E740481C1C}">
-                <a14:useLocalDpi xmlns:a14="http://schemas.microsoft.com/office/drawing/2010/main" val="0"/>
+                <a14:useLocalDpi xmlns="" xmlns:a14="http://schemas.microsoft.com/office/drawing/2010/main" val="0"/>
               </a:ext>
             </a:extLst>
           </a:blip>
@@ -14925,25 +14828,32 @@
     </p:spTree>
     <p:extLst>
       <p:ext uri="{BB962C8B-B14F-4D97-AF65-F5344CB8AC3E}">
-        <p14:creationId xmlns:p14="http://schemas.microsoft.com/office/powerpoint/2010/main" val="2905230228"/>
+        <p14:creationId xmlns="" xmlns:p14="http://schemas.microsoft.com/office/powerpoint/2010/main" val="2905230228"/>
       </p:ext>
     </p:extLst>
   </p:cSld>
   <p:clrMapOvr>
     <a:masterClrMapping/>
   </p:clrMapOvr>
-  <mc:AlternateContent xmlns:mc="http://schemas.openxmlformats.org/markup-compatibility/2006" xmlns:p14="http://schemas.microsoft.com/office/powerpoint/2010/main">
-    <mc:Choice Requires="p14">
+  <mc:AlternateContent xmlns:mc="http://schemas.openxmlformats.org/markup-compatibility/2006">
+    <mc:Choice xmlns="" xmlns:p14="http://schemas.microsoft.com/office/powerpoint/2010/main" Requires="p14">
       <p:transition spd="med" p14:dur="700">
         <p:fade/>
       </p:transition>
     </mc:Choice>
-    <mc:Fallback xmlns="">
+    <mc:Fallback>
       <p:transition spd="med">
         <p:fade/>
       </p:transition>
     </mc:Fallback>
   </mc:AlternateContent>
+  <p:timing>
+    <p:tnLst>
+      <p:par>
+        <p:cTn id="1" dur="indefinite" restart="never" nodeType="tmRoot"/>
+      </p:par>
+    </p:tnLst>
+  </p:timing>
 </p:sld>
 </file>
 
@@ -14990,7 +14900,7 @@
     </a:clrScheme>
     <a:fontScheme name="Dividend">
       <a:majorFont>
-        <a:latin typeface="Gill Sans MT" panose="020B0502020104020203"/>
+        <a:latin typeface="Gill Sans MT"/>
         <a:ea typeface=""/>
         <a:cs typeface=""/>
         <a:font script="Grek" typeface="Corbel"/>
@@ -15027,7 +14937,7 @@
         <a:font script="Geor" typeface="Sylfaen"/>
       </a:majorFont>
       <a:minorFont>
-        <a:latin typeface="Gill Sans MT" panose="020B0502020104020203"/>
+        <a:latin typeface="Gill Sans MT"/>
         <a:ea typeface=""/>
         <a:cs typeface=""/>
         <a:font script="Grek" typeface="Corbel"/>
@@ -15210,7 +15120,7 @@
   <a:extraClrSchemeLst/>
   <a:extLst>
     <a:ext uri="{05A4C25C-085E-4340-85A3-A5531E510DB2}">
-      <thm15:themeFamily xmlns:thm15="http://schemas.microsoft.com/office/thememl/2012/main" name="Dividend" id="{9697A71B-4AB7-4A1A-BD5B-BB2D22835B57}" vid="{C21699FF-00E4-43C8-BBCC-D7E5536C3717}"/>
+      <thm15:themeFamily xmlns="" xmlns:thm15="http://schemas.microsoft.com/office/thememl/2012/main" name="Dividend" id="{9697A71B-4AB7-4A1A-BD5B-BB2D22835B57}" vid="{C21699FF-00E4-43C8-BBCC-D7E5536C3717}"/>
     </a:ext>
   </a:extLst>
 </a:theme>
@@ -15259,7 +15169,7 @@
     </a:clrScheme>
     <a:fontScheme name="Century Gothic-Palatino Linotype">
       <a:majorFont>
-        <a:latin typeface="Century Gothic" panose="020B0502020202020204"/>
+        <a:latin typeface="Century Gothic"/>
         <a:ea typeface=""/>
         <a:cs typeface=""/>
         <a:font script="Jpan" typeface="ＭＳ ゴシック"/>
@@ -15294,7 +15204,7 @@
         <a:font script="Geor" typeface="Sylfaen"/>
       </a:majorFont>
       <a:minorFont>
-        <a:latin typeface="Palatino Linotype" panose="02040502050505030304"/>
+        <a:latin typeface="Palatino Linotype"/>
         <a:ea typeface=""/>
         <a:cs typeface=""/>
         <a:font script="Jpan" typeface="ＭＳ ゴシック"/>
@@ -15527,7 +15437,7 @@
     </a:clrScheme>
     <a:fontScheme name="Century Gothic-Palatino Linotype">
       <a:majorFont>
-        <a:latin typeface="Century Gothic" panose="020B0502020202020204"/>
+        <a:latin typeface="Century Gothic"/>
         <a:ea typeface=""/>
         <a:cs typeface=""/>
         <a:font script="Jpan" typeface="ＭＳ ゴシック"/>
@@ -15562,7 +15472,7 @@
         <a:font script="Geor" typeface="Sylfaen"/>
       </a:majorFont>
       <a:minorFont>
-        <a:latin typeface="Palatino Linotype" panose="02040502050505030304"/>
+        <a:latin typeface="Palatino Linotype"/>
         <a:ea typeface=""/>
         <a:cs typeface=""/>
         <a:font script="Jpan" typeface="ＭＳ ゴシック"/>
